--- a/ipsa/slides/hierarchies.pptx
+++ b/ipsa/slides/hierarchies.pptx
@@ -134,16 +134,24 @@
 </p:presentation>
 </file>
 
-<file path=ppt/revisionInfo.xml><?xml version="1.0" encoding="utf-8"?>
-<p1510:revInfo xmlns:a="http://schemas.openxmlformats.org/drawingml/2006/main" xmlns:r="http://schemas.openxmlformats.org/officeDocument/2006/relationships" xmlns:p1510="http://schemas.microsoft.com/office/powerpoint/2015/10/main">
-  <p1510:revLst>
-    <p1510:client id="{F848DA92-1780-41FB-BBF3-EA4DE6E90679}" v="1" dt="2022-03-09T12:26:33.036"/>
-  </p1510:revLst>
-</p1510:revInfo>
-</file>
-
 <file path=ppt/changesInfos/changesInfo1.xml><?xml version="1.0" encoding="utf-8"?>
 <pc:chgInfo xmlns:a="http://schemas.openxmlformats.org/drawingml/2006/main" xmlns:r="http://schemas.openxmlformats.org/officeDocument/2006/relationships" xmlns:ac="http://schemas.microsoft.com/office/drawing/2013/main/command" xmlns:pc="http://schemas.microsoft.com/office/powerpoint/2013/main/command">
+  <pc:docChgLst>
+    <pc:chgData name="Gerth Stølting Brodal" userId="04ef4784-6591-4f86-a140-f5c3b108582a" providerId="ADAL" clId="{DE3418AB-9059-4C6E-90D8-80D2535879EB}"/>
+    <pc:docChg chg="modSld">
+      <pc:chgData name="Gerth Stølting Brodal" userId="04ef4784-6591-4f86-a140-f5c3b108582a" providerId="ADAL" clId="{DE3418AB-9059-4C6E-90D8-80D2535879EB}" dt="2023-03-08T11:58:26.248" v="85" actId="20577"/>
+      <pc:docMkLst>
+        <pc:docMk/>
+      </pc:docMkLst>
+      <pc:sldChg chg="modNotesTx">
+        <pc:chgData name="Gerth Stølting Brodal" userId="04ef4784-6591-4f86-a140-f5c3b108582a" providerId="ADAL" clId="{DE3418AB-9059-4C6E-90D8-80D2535879EB}" dt="2023-03-08T11:58:26.248" v="85" actId="20577"/>
+        <pc:sldMkLst>
+          <pc:docMk/>
+          <pc:sldMk cId="3232688819" sldId="692"/>
+        </pc:sldMkLst>
+      </pc:sldChg>
+    </pc:docChg>
+  </pc:docChgLst>
   <pc:docChgLst>
     <pc:chgData name="Gerth Stølting Brodal" userId="04ef4784-6591-4f86-a140-f5c3b108582a" providerId="ADAL" clId="{F848DA92-1780-41FB-BBF3-EA4DE6E90679}"/>
     <pc:docChg chg="modSld">
@@ -433,7 +441,7 @@
           <a:p>
             <a:fld id="{FB1A172F-81D4-4DC4-9113-1DBD56EC3646}" type="datetimeFigureOut">
               <a:rPr lang="en-US" smtClean="0"/>
-              <a:t>3/9/2022</a:t>
+              <a:t>3/8/2023</a:t>
             </a:fld>
             <a:endParaRPr lang="en-US"/>
           </a:p>
@@ -830,56 +838,9 @@
           <a:p>
             <a:r>
               <a:rPr lang="en-US" dirty="0"/>
-              <a:t>(Left example from previous slide)</a:t>
-            </a:r>
-          </a:p>
-          <a:p>
-            <a:r>
-              <a:rPr lang="en-US" dirty="0"/>
-              <a:t>Alternative:</a:t>
-            </a:r>
-            <a:r>
-              <a:rPr lang="en-US" baseline="0" dirty="0"/>
-              <a:t> In class A make an implementation of g that throws an exception “</a:t>
-            </a:r>
-            <a:r>
-              <a:rPr lang="en-US" sz="1200" kern="1200" dirty="0">
-                <a:solidFill>
-                  <a:schemeClr val="tx1"/>
-                </a:solidFill>
-                <a:latin typeface="+mn-lt"/>
-                <a:ea typeface="+mn-ea"/>
-                <a:cs typeface="+mn-cs"/>
-              </a:rPr>
-              <a:t>raise </a:t>
-            </a:r>
-            <a:r>
-              <a:rPr lang="en-US" sz="1200" kern="1200" dirty="0" err="1">
-                <a:solidFill>
-                  <a:schemeClr val="tx1"/>
-                </a:solidFill>
-                <a:latin typeface="+mn-lt"/>
-                <a:ea typeface="+mn-ea"/>
-                <a:cs typeface="+mn-cs"/>
-              </a:rPr>
-              <a:t>NotImplementedError</a:t>
-            </a:r>
-            <a:r>
-              <a:rPr lang="en-US" sz="1200" kern="1200" dirty="0">
-                <a:solidFill>
-                  <a:schemeClr val="tx1"/>
-                </a:solidFill>
-                <a:latin typeface="+mn-lt"/>
-                <a:ea typeface="+mn-ea"/>
-                <a:cs typeface="+mn-cs"/>
-              </a:rPr>
-              <a:t>()”</a:t>
-            </a:r>
-            <a:r>
-              <a:rPr lang="en-US" baseline="0" dirty="0"/>
-              <a:t>, or just “pass” – then one could also create instances of A in Java</a:t>
-            </a:r>
-            <a:endParaRPr lang="en-US" dirty="0"/>
+              <a:t>The overriding in a subclass can be used to inject functionality into a subclass</a:t>
+            </a:r>
+            <a:endParaRPr lang="da-DK" dirty="0"/>
           </a:p>
         </p:txBody>
       </p:sp>
@@ -890,7 +851,7 @@
             <a:spLocks noGrp="1"/>
           </p:cNvSpPr>
           <p:nvPr>
-            <p:ph type="sldNum" sz="quarter" idx="10"/>
+            <p:ph type="sldNum" sz="quarter" idx="5"/>
           </p:nvPr>
         </p:nvSpPr>
         <p:spPr/>
@@ -900,7 +861,7 @@
           <a:p>
             <a:fld id="{CD563DD8-32AB-41BE-B1C6-8EAC45222ACE}" type="slidenum">
               <a:rPr lang="en-US" smtClean="0"/>
-              <a:t>12</a:t>
+              <a:t>11</a:t>
             </a:fld>
             <a:endParaRPr lang="en-US"/>
           </a:p>
@@ -909,7 +870,7 @@
     </p:spTree>
     <p:extLst>
       <p:ext uri="{BB962C8B-B14F-4D97-AF65-F5344CB8AC3E}">
-        <p14:creationId xmlns:p14="http://schemas.microsoft.com/office/powerpoint/2010/main" val="1526622067"/>
+        <p14:creationId xmlns:p14="http://schemas.microsoft.com/office/powerpoint/2010/main" val="1539779662"/>
       </p:ext>
     </p:extLst>
   </p:cSld>
@@ -965,6 +926,141 @@
           <a:p>
             <a:r>
               <a:rPr lang="en-US" dirty="0"/>
+              <a:t>(Left example from previous slide)</a:t>
+            </a:r>
+          </a:p>
+          <a:p>
+            <a:r>
+              <a:rPr lang="en-US" dirty="0"/>
+              <a:t>Alternative:</a:t>
+            </a:r>
+            <a:r>
+              <a:rPr lang="en-US" baseline="0" dirty="0"/>
+              <a:t> In class A make an implementation of g that throws an exception “</a:t>
+            </a:r>
+            <a:r>
+              <a:rPr lang="en-US" sz="1200" kern="1200" dirty="0">
+                <a:solidFill>
+                  <a:schemeClr val="tx1"/>
+                </a:solidFill>
+                <a:latin typeface="+mn-lt"/>
+                <a:ea typeface="+mn-ea"/>
+                <a:cs typeface="+mn-cs"/>
+              </a:rPr>
+              <a:t>raise </a:t>
+            </a:r>
+            <a:r>
+              <a:rPr lang="en-US" sz="1200" kern="1200" dirty="0" err="1">
+                <a:solidFill>
+                  <a:schemeClr val="tx1"/>
+                </a:solidFill>
+                <a:latin typeface="+mn-lt"/>
+                <a:ea typeface="+mn-ea"/>
+                <a:cs typeface="+mn-cs"/>
+              </a:rPr>
+              <a:t>NotImplementedError</a:t>
+            </a:r>
+            <a:r>
+              <a:rPr lang="en-US" sz="1200" kern="1200" dirty="0">
+                <a:solidFill>
+                  <a:schemeClr val="tx1"/>
+                </a:solidFill>
+                <a:latin typeface="+mn-lt"/>
+                <a:ea typeface="+mn-ea"/>
+                <a:cs typeface="+mn-cs"/>
+              </a:rPr>
+              <a:t>()”</a:t>
+            </a:r>
+            <a:r>
+              <a:rPr lang="en-US" baseline="0" dirty="0"/>
+              <a:t>, or just “pass” – then one could also create instances of A in Java</a:t>
+            </a:r>
+            <a:endParaRPr lang="en-US" dirty="0"/>
+          </a:p>
+        </p:txBody>
+      </p:sp>
+      <p:sp>
+        <p:nvSpPr>
+          <p:cNvPr id="4" name="Slide Number Placeholder 3"/>
+          <p:cNvSpPr>
+            <a:spLocks noGrp="1"/>
+          </p:cNvSpPr>
+          <p:nvPr>
+            <p:ph type="sldNum" sz="quarter" idx="10"/>
+          </p:nvPr>
+        </p:nvSpPr>
+        <p:spPr/>
+        <p:txBody>
+          <a:bodyPr/>
+          <a:lstStyle/>
+          <a:p>
+            <a:fld id="{CD563DD8-32AB-41BE-B1C6-8EAC45222ACE}" type="slidenum">
+              <a:rPr lang="en-US" smtClean="0"/>
+              <a:t>12</a:t>
+            </a:fld>
+            <a:endParaRPr lang="en-US"/>
+          </a:p>
+        </p:txBody>
+      </p:sp>
+    </p:spTree>
+    <p:extLst>
+      <p:ext uri="{BB962C8B-B14F-4D97-AF65-F5344CB8AC3E}">
+        <p14:creationId xmlns:p14="http://schemas.microsoft.com/office/powerpoint/2010/main" val="1526622067"/>
+      </p:ext>
+    </p:extLst>
+  </p:cSld>
+  <p:clrMapOvr>
+    <a:masterClrMapping/>
+  </p:clrMapOvr>
+</p:notes>
+</file>
+
+<file path=ppt/notesSlides/notesSlide12.xml><?xml version="1.0" encoding="utf-8"?>
+<p:notes xmlns:a="http://schemas.openxmlformats.org/drawingml/2006/main" xmlns:r="http://schemas.openxmlformats.org/officeDocument/2006/relationships" xmlns:p="http://schemas.openxmlformats.org/presentationml/2006/main">
+  <p:cSld>
+    <p:spTree>
+      <p:nvGrpSpPr>
+        <p:cNvPr id="1" name=""/>
+        <p:cNvGrpSpPr/>
+        <p:nvPr/>
+      </p:nvGrpSpPr>
+      <p:grpSpPr>
+        <a:xfrm>
+          <a:off x="0" y="0"/>
+          <a:ext cx="0" cy="0"/>
+          <a:chOff x="0" y="0"/>
+          <a:chExt cx="0" cy="0"/>
+        </a:xfrm>
+      </p:grpSpPr>
+      <p:sp>
+        <p:nvSpPr>
+          <p:cNvPr id="2" name="Slide Image Placeholder 1"/>
+          <p:cNvSpPr>
+            <a:spLocks noGrp="1" noRot="1" noChangeAspect="1"/>
+          </p:cNvSpPr>
+          <p:nvPr>
+            <p:ph type="sldImg"/>
+          </p:nvPr>
+        </p:nvSpPr>
+        <p:spPr/>
+      </p:sp>
+      <p:sp>
+        <p:nvSpPr>
+          <p:cNvPr id="3" name="Notes Placeholder 2"/>
+          <p:cNvSpPr>
+            <a:spLocks noGrp="1"/>
+          </p:cNvSpPr>
+          <p:nvPr>
+            <p:ph type="body" idx="1"/>
+          </p:nvPr>
+        </p:nvSpPr>
+        <p:spPr/>
+        <p:txBody>
+          <a:bodyPr/>
+          <a:lstStyle/>
+          <a:p>
+            <a:r>
+              <a:rPr lang="en-US" dirty="0"/>
               <a:t>Same</a:t>
             </a:r>
             <a:r>
@@ -1011,7 +1107,7 @@
 </p:notes>
 </file>
 
-<file path=ppt/notesSlides/notesSlide12.xml><?xml version="1.0" encoding="utf-8"?>
+<file path=ppt/notesSlides/notesSlide13.xml><?xml version="1.0" encoding="utf-8"?>
 <p:notes xmlns:a="http://schemas.openxmlformats.org/drawingml/2006/main" xmlns:r="http://schemas.openxmlformats.org/officeDocument/2006/relationships" xmlns:p="http://schemas.openxmlformats.org/presentationml/2006/main">
   <p:cSld>
     <p:spTree>
@@ -1937,7 +2033,7 @@
           <a:p>
             <a:fld id="{0560A9CD-0304-4E0B-9E82-E7E0115DE05B}" type="datetimeFigureOut">
               <a:rPr lang="en-US" smtClean="0"/>
-              <a:t>3/9/2022</a:t>
+              <a:t>3/8/2023</a:t>
             </a:fld>
             <a:endParaRPr lang="en-US"/>
           </a:p>
@@ -2105,7 +2201,7 @@
           <a:p>
             <a:fld id="{0560A9CD-0304-4E0B-9E82-E7E0115DE05B}" type="datetimeFigureOut">
               <a:rPr lang="en-US" smtClean="0"/>
-              <a:t>3/9/2022</a:t>
+              <a:t>3/8/2023</a:t>
             </a:fld>
             <a:endParaRPr lang="en-US"/>
           </a:p>
@@ -2283,7 +2379,7 @@
           <a:p>
             <a:fld id="{0560A9CD-0304-4E0B-9E82-E7E0115DE05B}" type="datetimeFigureOut">
               <a:rPr lang="en-US" smtClean="0"/>
-              <a:t>3/9/2022</a:t>
+              <a:t>3/8/2023</a:t>
             </a:fld>
             <a:endParaRPr lang="en-US"/>
           </a:p>
@@ -2466,7 +2562,7 @@
           <a:p>
             <a:fld id="{0560A9CD-0304-4E0B-9E82-E7E0115DE05B}" type="datetimeFigureOut">
               <a:rPr lang="en-US" smtClean="0"/>
-              <a:t>3/9/2022</a:t>
+              <a:t>3/8/2023</a:t>
             </a:fld>
             <a:endParaRPr lang="en-US"/>
           </a:p>
@@ -2711,7 +2807,7 @@
           <a:p>
             <a:fld id="{0560A9CD-0304-4E0B-9E82-E7E0115DE05B}" type="datetimeFigureOut">
               <a:rPr lang="en-US" smtClean="0"/>
-              <a:t>3/9/2022</a:t>
+              <a:t>3/8/2023</a:t>
             </a:fld>
             <a:endParaRPr lang="en-US"/>
           </a:p>
@@ -2940,7 +3036,7 @@
           <a:p>
             <a:fld id="{0560A9CD-0304-4E0B-9E82-E7E0115DE05B}" type="datetimeFigureOut">
               <a:rPr lang="en-US" smtClean="0"/>
-              <a:t>3/9/2022</a:t>
+              <a:t>3/8/2023</a:t>
             </a:fld>
             <a:endParaRPr lang="en-US"/>
           </a:p>
@@ -3304,7 +3400,7 @@
           <a:p>
             <a:fld id="{0560A9CD-0304-4E0B-9E82-E7E0115DE05B}" type="datetimeFigureOut">
               <a:rPr lang="en-US" smtClean="0"/>
-              <a:t>3/9/2022</a:t>
+              <a:t>3/8/2023</a:t>
             </a:fld>
             <a:endParaRPr lang="en-US"/>
           </a:p>
@@ -3421,7 +3517,7 @@
           <a:p>
             <a:fld id="{0560A9CD-0304-4E0B-9E82-E7E0115DE05B}" type="datetimeFigureOut">
               <a:rPr lang="en-US" smtClean="0"/>
-              <a:t>3/9/2022</a:t>
+              <a:t>3/8/2023</a:t>
             </a:fld>
             <a:endParaRPr lang="en-US"/>
           </a:p>
@@ -3516,7 +3612,7 @@
           <a:p>
             <a:fld id="{0560A9CD-0304-4E0B-9E82-E7E0115DE05B}" type="datetimeFigureOut">
               <a:rPr lang="en-US" smtClean="0"/>
-              <a:t>3/9/2022</a:t>
+              <a:t>3/8/2023</a:t>
             </a:fld>
             <a:endParaRPr lang="en-US"/>
           </a:p>
@@ -3791,7 +3887,7 @@
           <a:p>
             <a:fld id="{0560A9CD-0304-4E0B-9E82-E7E0115DE05B}" type="datetimeFigureOut">
               <a:rPr lang="en-US" smtClean="0"/>
-              <a:t>3/9/2022</a:t>
+              <a:t>3/8/2023</a:t>
             </a:fld>
             <a:endParaRPr lang="en-US"/>
           </a:p>
@@ -4043,7 +4139,7 @@
           <a:p>
             <a:fld id="{0560A9CD-0304-4E0B-9E82-E7E0115DE05B}" type="datetimeFigureOut">
               <a:rPr lang="en-US" smtClean="0"/>
-              <a:t>3/9/2022</a:t>
+              <a:t>3/8/2023</a:t>
             </a:fld>
             <a:endParaRPr lang="en-US"/>
           </a:p>
@@ -4254,7 +4350,7 @@
           <a:p>
             <a:fld id="{0560A9CD-0304-4E0B-9E82-E7E0115DE05B}" type="datetimeFigureOut">
               <a:rPr lang="en-US" smtClean="0"/>
-              <a:t>3/9/2022</a:t>
+              <a:t>3/8/2023</a:t>
             </a:fld>
             <a:endParaRPr lang="en-US"/>
           </a:p>

--- a/ipsa/slides/hierarchies.pptx
+++ b/ipsa/slides/hierarchies.pptx
@@ -5,7 +5,7 @@
     <p:sldMasterId id="2147483648" r:id="rId1"/>
   </p:sldMasterIdLst>
   <p:notesMasterIdLst>
-    <p:notesMasterId r:id="rId22"/>
+    <p:notesMasterId r:id="rId23"/>
   </p:notesMasterIdLst>
   <p:sldIdLst>
     <p:sldId id="483" r:id="rId2"/>
@@ -27,7 +27,8 @@
     <p:sldId id="684" r:id="rId18"/>
     <p:sldId id="698" r:id="rId19"/>
     <p:sldId id="621" r:id="rId20"/>
-    <p:sldId id="699" r:id="rId21"/>
+    <p:sldId id="701" r:id="rId21"/>
+    <p:sldId id="699" r:id="rId22"/>
   </p:sldIdLst>
   <p:sldSz cx="12192000" cy="6858000"/>
   <p:notesSz cx="6858000" cy="9144000"/>
@@ -134,21 +135,107 @@
 </p:presentation>
 </file>
 
+<file path=ppt/revisionInfo.xml><?xml version="1.0" encoding="utf-8"?>
+<p1510:revInfo xmlns:a="http://schemas.openxmlformats.org/drawingml/2006/main" xmlns:r="http://schemas.openxmlformats.org/officeDocument/2006/relationships" xmlns:p1510="http://schemas.microsoft.com/office/powerpoint/2015/10/main">
+  <p1510:revLst>
+    <p1510:client id="{DE3418AB-9059-4C6E-90D8-80D2535879EB}" v="54" dt="2023-03-10T16:26:09.444"/>
+  </p1510:revLst>
+</p1510:revInfo>
+</file>
+
 <file path=ppt/changesInfos/changesInfo1.xml><?xml version="1.0" encoding="utf-8"?>
 <pc:chgInfo xmlns:a="http://schemas.openxmlformats.org/drawingml/2006/main" xmlns:r="http://schemas.openxmlformats.org/officeDocument/2006/relationships" xmlns:ac="http://schemas.microsoft.com/office/drawing/2013/main/command" xmlns:pc="http://schemas.microsoft.com/office/powerpoint/2013/main/command">
   <pc:docChgLst>
     <pc:chgData name="Gerth Stølting Brodal" userId="04ef4784-6591-4f86-a140-f5c3b108582a" providerId="ADAL" clId="{DE3418AB-9059-4C6E-90D8-80D2535879EB}"/>
-    <pc:docChg chg="modSld">
-      <pc:chgData name="Gerth Stølting Brodal" userId="04ef4784-6591-4f86-a140-f5c3b108582a" providerId="ADAL" clId="{DE3418AB-9059-4C6E-90D8-80D2535879EB}" dt="2023-03-08T11:58:26.248" v="85" actId="20577"/>
+    <pc:docChg chg="undo custSel addSld modSld sldOrd">
+      <pc:chgData name="Gerth Stølting Brodal" userId="04ef4784-6591-4f86-a140-f5c3b108582a" providerId="ADAL" clId="{DE3418AB-9059-4C6E-90D8-80D2535879EB}" dt="2023-03-10T16:26:13.367" v="738" actId="14100"/>
       <pc:docMkLst>
         <pc:docMk/>
       </pc:docMkLst>
+      <pc:sldChg chg="modSp mod">
+        <pc:chgData name="Gerth Stølting Brodal" userId="04ef4784-6591-4f86-a140-f5c3b108582a" providerId="ADAL" clId="{DE3418AB-9059-4C6E-90D8-80D2535879EB}" dt="2023-03-10T14:58:42.699" v="718" actId="20577"/>
+        <pc:sldMkLst>
+          <pc:docMk/>
+          <pc:sldMk cId="3312054074" sldId="621"/>
+        </pc:sldMkLst>
+        <pc:spChg chg="mod">
+          <ac:chgData name="Gerth Stølting Brodal" userId="04ef4784-6591-4f86-a140-f5c3b108582a" providerId="ADAL" clId="{DE3418AB-9059-4C6E-90D8-80D2535879EB}" dt="2023-03-10T14:58:42.699" v="718" actId="20577"/>
+          <ac:spMkLst>
+            <pc:docMk/>
+            <pc:sldMk cId="3312054074" sldId="621"/>
+            <ac:spMk id="3" creationId="{00000000-0000-0000-0000-000000000000}"/>
+          </ac:spMkLst>
+        </pc:spChg>
+      </pc:sldChg>
       <pc:sldChg chg="modNotesTx">
         <pc:chgData name="Gerth Stølting Brodal" userId="04ef4784-6591-4f86-a140-f5c3b108582a" providerId="ADAL" clId="{DE3418AB-9059-4C6E-90D8-80D2535879EB}" dt="2023-03-08T11:58:26.248" v="85" actId="20577"/>
         <pc:sldMkLst>
           <pc:docMk/>
           <pc:sldMk cId="3232688819" sldId="692"/>
         </pc:sldMkLst>
+      </pc:sldChg>
+      <pc:sldChg chg="addSp delSp modSp new mod ord modAnim modNotesTx">
+        <pc:chgData name="Gerth Stølting Brodal" userId="04ef4784-6591-4f86-a140-f5c3b108582a" providerId="ADAL" clId="{DE3418AB-9059-4C6E-90D8-80D2535879EB}" dt="2023-03-10T16:26:13.367" v="738" actId="14100"/>
+        <pc:sldMkLst>
+          <pc:docMk/>
+          <pc:sldMk cId="923762653" sldId="701"/>
+        </pc:sldMkLst>
+        <pc:spChg chg="mod">
+          <ac:chgData name="Gerth Stølting Brodal" userId="04ef4784-6591-4f86-a140-f5c3b108582a" providerId="ADAL" clId="{DE3418AB-9059-4C6E-90D8-80D2535879EB}" dt="2023-03-10T14:48:13.596" v="598" actId="20577"/>
+          <ac:spMkLst>
+            <pc:docMk/>
+            <pc:sldMk cId="923762653" sldId="701"/>
+            <ac:spMk id="2" creationId="{4A5645FE-B263-6B12-9647-79B1518D104E}"/>
+          </ac:spMkLst>
+        </pc:spChg>
+        <pc:spChg chg="del">
+          <ac:chgData name="Gerth Stølting Brodal" userId="04ef4784-6591-4f86-a140-f5c3b108582a" providerId="ADAL" clId="{DE3418AB-9059-4C6E-90D8-80D2535879EB}" dt="2023-03-10T14:23:55.900" v="210" actId="478"/>
+          <ac:spMkLst>
+            <pc:docMk/>
+            <pc:sldMk cId="923762653" sldId="701"/>
+            <ac:spMk id="3" creationId="{1C357E78-EBAA-301D-C9DC-604A8AF04614}"/>
+          </ac:spMkLst>
+        </pc:spChg>
+        <pc:spChg chg="add del">
+          <ac:chgData name="Gerth Stølting Brodal" userId="04ef4784-6591-4f86-a140-f5c3b108582a" providerId="ADAL" clId="{DE3418AB-9059-4C6E-90D8-80D2535879EB}" dt="2023-03-10T14:46:54.256" v="576" actId="478"/>
+          <ac:spMkLst>
+            <pc:docMk/>
+            <pc:sldMk cId="923762653" sldId="701"/>
+            <ac:spMk id="5" creationId="{268595DB-3C0B-FC35-B6B7-37563741E712}"/>
+          </ac:spMkLst>
+        </pc:spChg>
+        <pc:spChg chg="add mod">
+          <ac:chgData name="Gerth Stølting Brodal" userId="04ef4784-6591-4f86-a140-f5c3b108582a" providerId="ADAL" clId="{DE3418AB-9059-4C6E-90D8-80D2535879EB}" dt="2023-03-10T16:26:13.367" v="738" actId="14100"/>
+          <ac:spMkLst>
+            <pc:docMk/>
+            <pc:sldMk cId="923762653" sldId="701"/>
+            <ac:spMk id="9" creationId="{31B27B3B-62B7-98FC-F209-5EBE9B81FAF6}"/>
+          </ac:spMkLst>
+        </pc:spChg>
+        <pc:graphicFrameChg chg="add mod ord modGraphic">
+          <ac:chgData name="Gerth Stølting Brodal" userId="04ef4784-6591-4f86-a140-f5c3b108582a" providerId="ADAL" clId="{DE3418AB-9059-4C6E-90D8-80D2535879EB}" dt="2023-03-10T14:48:33.456" v="614" actId="1035"/>
+          <ac:graphicFrameMkLst>
+            <pc:docMk/>
+            <pc:sldMk cId="923762653" sldId="701"/>
+            <ac:graphicFrameMk id="6" creationId="{4B2DEBA8-48BF-76BA-9C6B-7F6C2D260592}"/>
+          </ac:graphicFrameMkLst>
+        </pc:graphicFrameChg>
+        <pc:picChg chg="add mod">
+          <ac:chgData name="Gerth Stølting Brodal" userId="04ef4784-6591-4f86-a140-f5c3b108582a" providerId="ADAL" clId="{DE3418AB-9059-4C6E-90D8-80D2535879EB}" dt="2023-03-10T14:48:33.456" v="614" actId="1035"/>
+          <ac:picMkLst>
+            <pc:docMk/>
+            <pc:sldMk cId="923762653" sldId="701"/>
+            <ac:picMk id="7" creationId="{29D07E36-6B6C-6001-70A2-41F4505A4C3D}"/>
+          </ac:picMkLst>
+        </pc:picChg>
+        <pc:cxnChg chg="add mod">
+          <ac:chgData name="Gerth Stølting Brodal" userId="04ef4784-6591-4f86-a140-f5c3b108582a" providerId="ADAL" clId="{DE3418AB-9059-4C6E-90D8-80D2535879EB}" dt="2023-03-10T14:48:33.456" v="614" actId="1035"/>
+          <ac:cxnSpMkLst>
+            <pc:docMk/>
+            <pc:sldMk cId="923762653" sldId="701"/>
+            <ac:cxnSpMk id="8" creationId="{D2A93F9E-AED5-ACA8-C8B2-7566EE841E45}"/>
+          </ac:cxnSpMkLst>
+        </pc:cxnChg>
       </pc:sldChg>
     </pc:docChg>
   </pc:docChgLst>
@@ -441,7 +528,7 @@
           <a:p>
             <a:fld id="{FB1A172F-81D4-4DC4-9113-1DBD56EC3646}" type="datetimeFigureOut">
               <a:rPr lang="en-US" smtClean="0"/>
-              <a:t>3/8/2023</a:t>
+              <a:t>3/10/2023</a:t>
             </a:fld>
             <a:endParaRPr lang="en-US"/>
           </a:p>
@@ -1192,6 +1279,195 @@
     <p:extLst>
       <p:ext uri="{BB962C8B-B14F-4D97-AF65-F5344CB8AC3E}">
         <p14:creationId xmlns:p14="http://schemas.microsoft.com/office/powerpoint/2010/main" val="1801719751"/>
+      </p:ext>
+    </p:extLst>
+  </p:cSld>
+  <p:clrMapOvr>
+    <a:masterClrMapping/>
+  </p:clrMapOvr>
+</p:notes>
+</file>
+
+<file path=ppt/notesSlides/notesSlide14.xml><?xml version="1.0" encoding="utf-8"?>
+<p:notes xmlns:a="http://schemas.openxmlformats.org/drawingml/2006/main" xmlns:r="http://schemas.openxmlformats.org/officeDocument/2006/relationships" xmlns:p="http://schemas.openxmlformats.org/presentationml/2006/main">
+  <p:cSld>
+    <p:spTree>
+      <p:nvGrpSpPr>
+        <p:cNvPr id="1" name=""/>
+        <p:cNvGrpSpPr/>
+        <p:nvPr/>
+      </p:nvGrpSpPr>
+      <p:grpSpPr>
+        <a:xfrm>
+          <a:off x="0" y="0"/>
+          <a:ext cx="0" cy="0"/>
+          <a:chOff x="0" y="0"/>
+          <a:chExt cx="0" cy="0"/>
+        </a:xfrm>
+      </p:grpSpPr>
+      <p:sp>
+        <p:nvSpPr>
+          <p:cNvPr id="2" name="Slide Image Placeholder 1"/>
+          <p:cNvSpPr>
+            <a:spLocks noGrp="1" noRot="1" noChangeAspect="1"/>
+          </p:cNvSpPr>
+          <p:nvPr>
+            <p:ph type="sldImg"/>
+          </p:nvPr>
+        </p:nvSpPr>
+        <p:spPr/>
+      </p:sp>
+      <p:sp>
+        <p:nvSpPr>
+          <p:cNvPr id="3" name="Notes Placeholder 2"/>
+          <p:cNvSpPr>
+            <a:spLocks noGrp="1"/>
+          </p:cNvSpPr>
+          <p:nvPr>
+            <p:ph type="body" idx="1"/>
+          </p:nvPr>
+        </p:nvSpPr>
+        <p:spPr/>
+        <p:txBody>
+          <a:bodyPr/>
+          <a:lstStyle/>
+          <a:p>
+            <a:r>
+              <a:rPr lang="da-DK" dirty="0"/>
+              <a:t>All </a:t>
+            </a:r>
+            <a:r>
+              <a:rPr lang="da-DK" dirty="0" err="1"/>
+              <a:t>classes</a:t>
+            </a:r>
+            <a:r>
+              <a:rPr lang="da-DK" dirty="0"/>
+              <a:t> </a:t>
+            </a:r>
+            <a:r>
+              <a:rPr lang="da-DK" dirty="0" err="1"/>
+              <a:t>are</a:t>
+            </a:r>
+            <a:r>
+              <a:rPr lang="da-DK" dirty="0"/>
+              <a:t> </a:t>
+            </a:r>
+            <a:r>
+              <a:rPr lang="da-DK" dirty="0" err="1"/>
+              <a:t>subclasses</a:t>
+            </a:r>
+            <a:r>
+              <a:rPr lang="da-DK" dirty="0"/>
+              <a:t> of the </a:t>
+            </a:r>
+            <a:r>
+              <a:rPr lang="da-DK" dirty="0" err="1"/>
+              <a:t>object</a:t>
+            </a:r>
+            <a:r>
+              <a:rPr lang="da-DK" dirty="0"/>
+              <a:t> class</a:t>
+            </a:r>
+          </a:p>
+          <a:p>
+            <a:r>
+              <a:rPr lang="da-DK" dirty="0"/>
+              <a:t>The class </a:t>
+            </a:r>
+            <a:r>
+              <a:rPr lang="da-DK" dirty="0" err="1"/>
+              <a:t>decorator</a:t>
+            </a:r>
+            <a:r>
+              <a:rPr lang="da-DK" dirty="0"/>
+              <a:t> @functools.total_ordering  </a:t>
+            </a:r>
+            <a:r>
+              <a:rPr lang="da-DK" dirty="0" err="1"/>
+              <a:t>exploits</a:t>
+            </a:r>
+            <a:r>
+              <a:rPr lang="da-DK" dirty="0"/>
+              <a:t> </a:t>
+            </a:r>
+            <a:r>
+              <a:rPr lang="da-DK" dirty="0" err="1"/>
+              <a:t>this</a:t>
+            </a:r>
+            <a:r>
+              <a:rPr lang="da-DK" dirty="0"/>
+              <a:t> to </a:t>
+            </a:r>
+            <a:r>
+              <a:rPr lang="da-DK" dirty="0" err="1"/>
+              <a:t>add</a:t>
+            </a:r>
+            <a:r>
+              <a:rPr lang="da-DK" dirty="0"/>
+              <a:t> __le__ </a:t>
+            </a:r>
+            <a:r>
+              <a:rPr lang="da-DK" dirty="0" err="1"/>
+              <a:t>etc</a:t>
+            </a:r>
+            <a:r>
+              <a:rPr lang="da-DK" dirty="0"/>
+              <a:t> to a class </a:t>
+            </a:r>
+            <a:r>
+              <a:rPr lang="da-DK" dirty="0" err="1"/>
+              <a:t>if</a:t>
+            </a:r>
+            <a:r>
+              <a:rPr lang="da-DK" dirty="0"/>
+              <a:t> </a:t>
+            </a:r>
+            <a:r>
+              <a:rPr lang="da-DK" dirty="0" err="1"/>
+              <a:t>only</a:t>
+            </a:r>
+            <a:r>
+              <a:rPr lang="da-DK" dirty="0"/>
+              <a:t> __lt__ is </a:t>
+            </a:r>
+            <a:r>
+              <a:rPr lang="da-DK" dirty="0" err="1"/>
+              <a:t>defined</a:t>
+            </a:r>
+            <a:r>
+              <a:rPr lang="da-DK" dirty="0"/>
+              <a:t>.</a:t>
+            </a:r>
+          </a:p>
+        </p:txBody>
+      </p:sp>
+      <p:sp>
+        <p:nvSpPr>
+          <p:cNvPr id="4" name="Slide Number Placeholder 3"/>
+          <p:cNvSpPr>
+            <a:spLocks noGrp="1"/>
+          </p:cNvSpPr>
+          <p:nvPr>
+            <p:ph type="sldNum" sz="quarter" idx="5"/>
+          </p:nvPr>
+        </p:nvSpPr>
+        <p:spPr/>
+        <p:txBody>
+          <a:bodyPr/>
+          <a:lstStyle/>
+          <a:p>
+            <a:fld id="{CD563DD8-32AB-41BE-B1C6-8EAC45222ACE}" type="slidenum">
+              <a:rPr lang="en-US" smtClean="0"/>
+              <a:t>20</a:t>
+            </a:fld>
+            <a:endParaRPr lang="en-US"/>
+          </a:p>
+        </p:txBody>
+      </p:sp>
+    </p:spTree>
+    <p:extLst>
+      <p:ext uri="{BB962C8B-B14F-4D97-AF65-F5344CB8AC3E}">
+        <p14:creationId xmlns:p14="http://schemas.microsoft.com/office/powerpoint/2010/main" val="721478227"/>
       </p:ext>
     </p:extLst>
   </p:cSld>
@@ -2033,7 +2309,7 @@
           <a:p>
             <a:fld id="{0560A9CD-0304-4E0B-9E82-E7E0115DE05B}" type="datetimeFigureOut">
               <a:rPr lang="en-US" smtClean="0"/>
-              <a:t>3/8/2023</a:t>
+              <a:t>3/10/2023</a:t>
             </a:fld>
             <a:endParaRPr lang="en-US"/>
           </a:p>
@@ -2201,7 +2477,7 @@
           <a:p>
             <a:fld id="{0560A9CD-0304-4E0B-9E82-E7E0115DE05B}" type="datetimeFigureOut">
               <a:rPr lang="en-US" smtClean="0"/>
-              <a:t>3/8/2023</a:t>
+              <a:t>3/10/2023</a:t>
             </a:fld>
             <a:endParaRPr lang="en-US"/>
           </a:p>
@@ -2379,7 +2655,7 @@
           <a:p>
             <a:fld id="{0560A9CD-0304-4E0B-9E82-E7E0115DE05B}" type="datetimeFigureOut">
               <a:rPr lang="en-US" smtClean="0"/>
-              <a:t>3/8/2023</a:t>
+              <a:t>3/10/2023</a:t>
             </a:fld>
             <a:endParaRPr lang="en-US"/>
           </a:p>
@@ -2562,7 +2838,7 @@
           <a:p>
             <a:fld id="{0560A9CD-0304-4E0B-9E82-E7E0115DE05B}" type="datetimeFigureOut">
               <a:rPr lang="en-US" smtClean="0"/>
-              <a:t>3/8/2023</a:t>
+              <a:t>3/10/2023</a:t>
             </a:fld>
             <a:endParaRPr lang="en-US"/>
           </a:p>
@@ -2807,7 +3083,7 @@
           <a:p>
             <a:fld id="{0560A9CD-0304-4E0B-9E82-E7E0115DE05B}" type="datetimeFigureOut">
               <a:rPr lang="en-US" smtClean="0"/>
-              <a:t>3/8/2023</a:t>
+              <a:t>3/10/2023</a:t>
             </a:fld>
             <a:endParaRPr lang="en-US"/>
           </a:p>
@@ -3036,7 +3312,7 @@
           <a:p>
             <a:fld id="{0560A9CD-0304-4E0B-9E82-E7E0115DE05B}" type="datetimeFigureOut">
               <a:rPr lang="en-US" smtClean="0"/>
-              <a:t>3/8/2023</a:t>
+              <a:t>3/10/2023</a:t>
             </a:fld>
             <a:endParaRPr lang="en-US"/>
           </a:p>
@@ -3400,7 +3676,7 @@
           <a:p>
             <a:fld id="{0560A9CD-0304-4E0B-9E82-E7E0115DE05B}" type="datetimeFigureOut">
               <a:rPr lang="en-US" smtClean="0"/>
-              <a:t>3/8/2023</a:t>
+              <a:t>3/10/2023</a:t>
             </a:fld>
             <a:endParaRPr lang="en-US"/>
           </a:p>
@@ -3517,7 +3793,7 @@
           <a:p>
             <a:fld id="{0560A9CD-0304-4E0B-9E82-E7E0115DE05B}" type="datetimeFigureOut">
               <a:rPr lang="en-US" smtClean="0"/>
-              <a:t>3/8/2023</a:t>
+              <a:t>3/10/2023</a:t>
             </a:fld>
             <a:endParaRPr lang="en-US"/>
           </a:p>
@@ -3612,7 +3888,7 @@
           <a:p>
             <a:fld id="{0560A9CD-0304-4E0B-9E82-E7E0115DE05B}" type="datetimeFigureOut">
               <a:rPr lang="en-US" smtClean="0"/>
-              <a:t>3/8/2023</a:t>
+              <a:t>3/10/2023</a:t>
             </a:fld>
             <a:endParaRPr lang="en-US"/>
           </a:p>
@@ -3887,7 +4163,7 @@
           <a:p>
             <a:fld id="{0560A9CD-0304-4E0B-9E82-E7E0115DE05B}" type="datetimeFigureOut">
               <a:rPr lang="en-US" smtClean="0"/>
-              <a:t>3/8/2023</a:t>
+              <a:t>3/10/2023</a:t>
             </a:fld>
             <a:endParaRPr lang="en-US"/>
           </a:p>
@@ -4139,7 +4415,7 @@
           <a:p>
             <a:fld id="{0560A9CD-0304-4E0B-9E82-E7E0115DE05B}" type="datetimeFigureOut">
               <a:rPr lang="en-US" smtClean="0"/>
-              <a:t>3/8/2023</a:t>
+              <a:t>3/10/2023</a:t>
             </a:fld>
             <a:endParaRPr lang="en-US"/>
           </a:p>
@@ -4350,7 +4626,7 @@
           <a:p>
             <a:fld id="{0560A9CD-0304-4E0B-9E82-E7E0115DE05B}" type="datetimeFigureOut">
               <a:rPr lang="en-US" smtClean="0"/>
-              <a:t>3/8/2023</a:t>
+              <a:t>3/10/2023</a:t>
             </a:fld>
             <a:endParaRPr lang="en-US"/>
           </a:p>
@@ -15698,10 +15974,7 @@
               <a:rPr lang="da-DK" dirty="0" err="1"/>
               <a:t>possible</a:t>
             </a:r>
-            <a:r>
-              <a:rPr lang="da-DK" dirty="0"/>
-              <a:t>.</a:t>
-            </a:r>
+            <a:endParaRPr lang="da-DK" dirty="0"/>
           </a:p>
           <a:p>
             <a:r>
@@ -17004,6 +17277,895 @@
 </file>
 
 <file path=ppt/slides/slide20.xml><?xml version="1.0" encoding="utf-8"?>
+<p:sld xmlns:a="http://schemas.openxmlformats.org/drawingml/2006/main" xmlns:r="http://schemas.openxmlformats.org/officeDocument/2006/relationships" xmlns:p="http://schemas.openxmlformats.org/presentationml/2006/main">
+  <p:cSld>
+    <p:spTree>
+      <p:nvGrpSpPr>
+        <p:cNvPr id="1" name=""/>
+        <p:cNvGrpSpPr/>
+        <p:nvPr/>
+      </p:nvGrpSpPr>
+      <p:grpSpPr>
+        <a:xfrm>
+          <a:off x="0" y="0"/>
+          <a:ext cx="0" cy="0"/>
+          <a:chOff x="0" y="0"/>
+          <a:chExt cx="0" cy="0"/>
+        </a:xfrm>
+      </p:grpSpPr>
+      <p:graphicFrame>
+        <p:nvGraphicFramePr>
+          <p:cNvPr id="6" name="Table 5">
+            <a:extLst>
+              <a:ext uri="{FF2B5EF4-FFF2-40B4-BE49-F238E27FC236}">
+                <a16:creationId xmlns:a16="http://schemas.microsoft.com/office/drawing/2014/main" id="{4B2DEBA8-48BF-76BA-9C6B-7F6C2D260592}"/>
+              </a:ext>
+            </a:extLst>
+          </p:cNvPr>
+          <p:cNvGraphicFramePr>
+            <a:graphicFrameLocks noGrp="1"/>
+          </p:cNvGraphicFramePr>
+          <p:nvPr>
+            <p:extLst>
+              <p:ext uri="{D42A27DB-BD31-4B8C-83A1-F6EECF244321}">
+                <p14:modId xmlns:p14="http://schemas.microsoft.com/office/powerpoint/2010/main" val="804001541"/>
+              </p:ext>
+            </p:extLst>
+          </p:nvPr>
+        </p:nvGraphicFramePr>
+        <p:xfrm>
+          <a:off x="1056554" y="2211790"/>
+          <a:ext cx="10078892" cy="3697290"/>
+        </p:xfrm>
+        <a:graphic>
+          <a:graphicData uri="http://schemas.openxmlformats.org/drawingml/2006/table">
+            <a:tbl>
+              <a:tblPr firstRow="1" bandRow="1">
+                <a:tableStyleId>{5C22544A-7EE6-4342-B048-85BDC9FD1C3A}</a:tableStyleId>
+              </a:tblPr>
+              <a:tblGrid>
+                <a:gridCol w="10078892">
+                  <a:extLst>
+                    <a:ext uri="{9D8B030D-6E8A-4147-A177-3AD203B41FA5}">
+                      <a16:colId xmlns:a16="http://schemas.microsoft.com/office/drawing/2014/main" val="1873682825"/>
+                    </a:ext>
+                  </a:extLst>
+                </a:gridCol>
+              </a:tblGrid>
+              <a:tr h="405450">
+                <a:tc>
+                  <a:txBody>
+                    <a:bodyPr/>
+                    <a:lstStyle/>
+                    <a:p>
+                      <a:r>
+                        <a:rPr lang="da-DK" sz="1800" b="1" dirty="0" err="1">
+                          <a:latin typeface="Courier New" panose="02070309020205020404" pitchFamily="49" charset="0"/>
+                          <a:cs typeface="Courier New" panose="02070309020205020404" pitchFamily="49" charset="0"/>
+                        </a:rPr>
+                        <a:t>Python</a:t>
+                      </a:r>
+                      <a:r>
+                        <a:rPr lang="da-DK" sz="1800" b="1" dirty="0">
+                          <a:latin typeface="Courier New" panose="02070309020205020404" pitchFamily="49" charset="0"/>
+                          <a:cs typeface="Courier New" panose="02070309020205020404" pitchFamily="49" charset="0"/>
+                        </a:rPr>
+                        <a:t> </a:t>
+                      </a:r>
+                      <a:r>
+                        <a:rPr lang="da-DK" sz="1800" b="1" dirty="0" err="1">
+                          <a:latin typeface="Courier New" panose="02070309020205020404" pitchFamily="49" charset="0"/>
+                          <a:cs typeface="Courier New" panose="02070309020205020404" pitchFamily="49" charset="0"/>
+                        </a:rPr>
+                        <a:t>shell</a:t>
+                      </a:r>
+                      <a:endParaRPr lang="da-DK" sz="1800" b="1" dirty="0">
+                        <a:latin typeface="Courier New" panose="02070309020205020404" pitchFamily="49" charset="0"/>
+                        <a:cs typeface="Courier New" panose="02070309020205020404" pitchFamily="49" charset="0"/>
+                      </a:endParaRPr>
+                    </a:p>
+                  </a:txBody>
+                  <a:tcPr anchor="ctr">
+                    <a:lnL w="6350" cap="flat" cmpd="sng" algn="ctr">
+                      <a:solidFill>
+                        <a:schemeClr val="tx1"/>
+                      </a:solidFill>
+                      <a:prstDash val="solid"/>
+                      <a:round/>
+                      <a:headEnd type="none" w="med" len="med"/>
+                      <a:tailEnd type="none" w="med" len="med"/>
+                    </a:lnL>
+                    <a:lnR w="6350" cap="flat" cmpd="sng" algn="ctr">
+                      <a:solidFill>
+                        <a:schemeClr val="tx1"/>
+                      </a:solidFill>
+                      <a:prstDash val="solid"/>
+                      <a:round/>
+                      <a:headEnd type="none" w="med" len="med"/>
+                      <a:tailEnd type="none" w="med" len="med"/>
+                    </a:lnR>
+                    <a:lnT w="6350" cap="flat" cmpd="sng" algn="ctr">
+                      <a:solidFill>
+                        <a:schemeClr val="tx1"/>
+                      </a:solidFill>
+                      <a:prstDash val="solid"/>
+                      <a:round/>
+                      <a:headEnd type="none" w="med" len="med"/>
+                      <a:tailEnd type="none" w="med" len="med"/>
+                    </a:lnT>
+                    <a:lnB w="6350" cap="flat" cmpd="sng" algn="ctr">
+                      <a:solidFill>
+                        <a:schemeClr val="tx1"/>
+                      </a:solidFill>
+                      <a:prstDash val="solid"/>
+                      <a:round/>
+                      <a:headEnd type="none" w="med" len="med"/>
+                      <a:tailEnd type="none" w="med" len="med"/>
+                    </a:lnB>
+                    <a:lnTlToBr w="12700" cmpd="sng">
+                      <a:noFill/>
+                      <a:prstDash val="solid"/>
+                    </a:lnTlToBr>
+                    <a:lnBlToTr w="12700" cmpd="sng">
+                      <a:noFill/>
+                      <a:prstDash val="solid"/>
+                    </a:lnBlToTr>
+                    <a:solidFill>
+                      <a:srgbClr val="C00000"/>
+                    </a:solidFill>
+                  </a:tcPr>
+                </a:tc>
+                <a:extLst>
+                  <a:ext uri="{0D108BD9-81ED-4DB2-BD59-A6C34878D82A}">
+                    <a16:rowId xmlns:a16="http://schemas.microsoft.com/office/drawing/2014/main" val="3330819881"/>
+                  </a:ext>
+                </a:extLst>
+              </a:tr>
+              <a:tr h="2229972">
+                <a:tc>
+                  <a:txBody>
+                    <a:bodyPr/>
+                    <a:lstStyle/>
+                    <a:p>
+                      <a:pPr marL="266700" indent="-266700">
+                        <a:spcAft>
+                          <a:spcPts val="1200"/>
+                        </a:spcAft>
+                        <a:buClr>
+                          <a:srgbClr val="C00000"/>
+                        </a:buClr>
+                        <a:buSzPct val="100000"/>
+                        <a:buFont typeface="Courier New" panose="02070309020205020404" pitchFamily="49" charset="0"/>
+                        <a:buChar char="&gt;"/>
+                      </a:pPr>
+                      <a:r>
+                        <a:rPr lang="en-US" sz="1800" b="1" baseline="0" dirty="0">
+                          <a:solidFill>
+                            <a:schemeClr val="accent1">
+                              <a:lumMod val="75000"/>
+                            </a:schemeClr>
+                          </a:solidFill>
+                          <a:latin typeface="Courier New" panose="02070309020205020404" pitchFamily="49" charset="0"/>
+                          <a:cs typeface="Courier New" panose="02070309020205020404" pitchFamily="49" charset="0"/>
+                        </a:rPr>
+                        <a:t>class</a:t>
+                      </a:r>
+                      <a:r>
+                        <a:rPr lang="en-US" sz="1800" b="1" baseline="0" dirty="0">
+                          <a:solidFill>
+                            <a:schemeClr val="tx1"/>
+                          </a:solidFill>
+                          <a:latin typeface="Courier New" panose="02070309020205020404" pitchFamily="49" charset="0"/>
+                          <a:cs typeface="Courier New" panose="02070309020205020404" pitchFamily="49" charset="0"/>
+                        </a:rPr>
+                        <a:t> Pair:</a:t>
+                      </a:r>
+                      <a:br>
+                        <a:rPr lang="en-US" sz="1800" b="1" baseline="0" dirty="0">
+                          <a:solidFill>
+                            <a:schemeClr val="tx1"/>
+                          </a:solidFill>
+                          <a:latin typeface="Courier New" panose="02070309020205020404" pitchFamily="49" charset="0"/>
+                          <a:cs typeface="Courier New" panose="02070309020205020404" pitchFamily="49" charset="0"/>
+                        </a:rPr>
+                      </a:br>
+                      <a:r>
+                        <a:rPr lang="en-US" sz="1800" b="1" baseline="0" dirty="0">
+                          <a:solidFill>
+                            <a:schemeClr val="tx1"/>
+                          </a:solidFill>
+                          <a:latin typeface="Courier New" panose="02070309020205020404" pitchFamily="49" charset="0"/>
+                          <a:cs typeface="Courier New" panose="02070309020205020404" pitchFamily="49" charset="0"/>
+                        </a:rPr>
+                        <a:t>    </a:t>
+                      </a:r>
+                      <a:r>
+                        <a:rPr lang="en-US" sz="1800" b="1" baseline="0" dirty="0">
+                          <a:solidFill>
+                            <a:schemeClr val="accent1">
+                              <a:lumMod val="75000"/>
+                            </a:schemeClr>
+                          </a:solidFill>
+                          <a:latin typeface="Courier New" panose="02070309020205020404" pitchFamily="49" charset="0"/>
+                          <a:cs typeface="Courier New" panose="02070309020205020404" pitchFamily="49" charset="0"/>
+                        </a:rPr>
+                        <a:t>def</a:t>
+                      </a:r>
+                      <a:r>
+                        <a:rPr lang="en-US" sz="1800" b="1" baseline="0" dirty="0">
+                          <a:solidFill>
+                            <a:schemeClr val="tx1"/>
+                          </a:solidFill>
+                          <a:latin typeface="Courier New" panose="02070309020205020404" pitchFamily="49" charset="0"/>
+                          <a:cs typeface="Courier New" panose="02070309020205020404" pitchFamily="49" charset="0"/>
+                        </a:rPr>
+                        <a:t> __</a:t>
+                      </a:r>
+                      <a:r>
+                        <a:rPr lang="en-US" sz="1800" b="1" baseline="0" dirty="0" err="1">
+                          <a:solidFill>
+                            <a:schemeClr val="tx1"/>
+                          </a:solidFill>
+                          <a:latin typeface="Courier New" panose="02070309020205020404" pitchFamily="49" charset="0"/>
+                          <a:cs typeface="Courier New" panose="02070309020205020404" pitchFamily="49" charset="0"/>
+                        </a:rPr>
+                        <a:t>init</a:t>
+                      </a:r>
+                      <a:r>
+                        <a:rPr lang="en-US" sz="1800" b="1" baseline="0" dirty="0">
+                          <a:solidFill>
+                            <a:schemeClr val="tx1"/>
+                          </a:solidFill>
+                          <a:latin typeface="Courier New" panose="02070309020205020404" pitchFamily="49" charset="0"/>
+                          <a:cs typeface="Courier New" panose="02070309020205020404" pitchFamily="49" charset="0"/>
+                        </a:rPr>
+                        <a:t>__(self, x, y):</a:t>
+                      </a:r>
+                      <a:br>
+                        <a:rPr lang="en-US" sz="1800" b="1" baseline="0" dirty="0">
+                          <a:solidFill>
+                            <a:schemeClr val="tx1"/>
+                          </a:solidFill>
+                          <a:latin typeface="Courier New" panose="02070309020205020404" pitchFamily="49" charset="0"/>
+                          <a:cs typeface="Courier New" panose="02070309020205020404" pitchFamily="49" charset="0"/>
+                        </a:rPr>
+                      </a:br>
+                      <a:r>
+                        <a:rPr lang="en-US" sz="1800" b="1" baseline="0" dirty="0">
+                          <a:solidFill>
+                            <a:schemeClr val="tx1"/>
+                          </a:solidFill>
+                          <a:latin typeface="Courier New" panose="02070309020205020404" pitchFamily="49" charset="0"/>
+                          <a:cs typeface="Courier New" panose="02070309020205020404" pitchFamily="49" charset="0"/>
+                        </a:rPr>
+                        <a:t>        </a:t>
+                      </a:r>
+                      <a:r>
+                        <a:rPr lang="en-US" sz="1800" b="1" baseline="0" dirty="0" err="1">
+                          <a:solidFill>
+                            <a:schemeClr val="tx1"/>
+                          </a:solidFill>
+                          <a:latin typeface="Courier New" panose="02070309020205020404" pitchFamily="49" charset="0"/>
+                          <a:cs typeface="Courier New" panose="02070309020205020404" pitchFamily="49" charset="0"/>
+                        </a:rPr>
+                        <a:t>self._x</a:t>
+                      </a:r>
+                      <a:r>
+                        <a:rPr lang="en-US" sz="1800" b="1" baseline="0" dirty="0">
+                          <a:solidFill>
+                            <a:schemeClr val="tx1"/>
+                          </a:solidFill>
+                          <a:latin typeface="Courier New" panose="02070309020205020404" pitchFamily="49" charset="0"/>
+                          <a:cs typeface="Courier New" panose="02070309020205020404" pitchFamily="49" charset="0"/>
+                        </a:rPr>
+                        <a:t> = x</a:t>
+                      </a:r>
+                      <a:br>
+                        <a:rPr lang="en-US" sz="1800" b="1" baseline="0" dirty="0">
+                          <a:solidFill>
+                            <a:schemeClr val="tx1"/>
+                          </a:solidFill>
+                          <a:latin typeface="Courier New" panose="02070309020205020404" pitchFamily="49" charset="0"/>
+                          <a:cs typeface="Courier New" panose="02070309020205020404" pitchFamily="49" charset="0"/>
+                        </a:rPr>
+                      </a:br>
+                      <a:r>
+                        <a:rPr lang="en-US" sz="1800" b="1" baseline="0" dirty="0">
+                          <a:solidFill>
+                            <a:schemeClr val="tx1"/>
+                          </a:solidFill>
+                          <a:latin typeface="Courier New" panose="02070309020205020404" pitchFamily="49" charset="0"/>
+                          <a:cs typeface="Courier New" panose="02070309020205020404" pitchFamily="49" charset="0"/>
+                        </a:rPr>
+                        <a:t>        </a:t>
+                      </a:r>
+                      <a:r>
+                        <a:rPr lang="en-US" sz="1800" b="1" baseline="0" dirty="0" err="1">
+                          <a:solidFill>
+                            <a:schemeClr val="tx1"/>
+                          </a:solidFill>
+                          <a:latin typeface="Courier New" panose="02070309020205020404" pitchFamily="49" charset="0"/>
+                          <a:cs typeface="Courier New" panose="02070309020205020404" pitchFamily="49" charset="0"/>
+                        </a:rPr>
+                        <a:t>self._y</a:t>
+                      </a:r>
+                      <a:r>
+                        <a:rPr lang="en-US" sz="1800" b="1" baseline="0" dirty="0">
+                          <a:solidFill>
+                            <a:schemeClr val="tx1"/>
+                          </a:solidFill>
+                          <a:latin typeface="Courier New" panose="02070309020205020404" pitchFamily="49" charset="0"/>
+                          <a:cs typeface="Courier New" panose="02070309020205020404" pitchFamily="49" charset="0"/>
+                        </a:rPr>
+                        <a:t> = y</a:t>
+                      </a:r>
+                    </a:p>
+                    <a:p>
+                      <a:pPr marL="266700" indent="-266700">
+                        <a:buClr>
+                          <a:srgbClr val="C00000"/>
+                        </a:buClr>
+                        <a:buSzPct val="100000"/>
+                        <a:buFont typeface="Courier New" panose="02070309020205020404" pitchFamily="49" charset="0"/>
+                        <a:buChar char="&gt;"/>
+                      </a:pPr>
+                      <a:r>
+                        <a:rPr lang="en-US" sz="1800" b="1" baseline="0" dirty="0">
+                          <a:solidFill>
+                            <a:schemeClr val="tx1"/>
+                          </a:solidFill>
+                          <a:latin typeface="Courier New" panose="02070309020205020404" pitchFamily="49" charset="0"/>
+                          <a:cs typeface="Courier New" panose="02070309020205020404" pitchFamily="49" charset="0"/>
+                        </a:rPr>
+                        <a:t>point = Pair(3, 5)</a:t>
+                      </a:r>
+                    </a:p>
+                    <a:p>
+                      <a:pPr marL="266700" indent="-266700">
+                        <a:buClr>
+                          <a:srgbClr val="C00000"/>
+                        </a:buClr>
+                        <a:buSzPct val="100000"/>
+                        <a:buFont typeface="Courier New" panose="02070309020205020404" pitchFamily="49" charset="0"/>
+                        <a:buChar char="&gt;"/>
+                      </a:pPr>
+                      <a:r>
+                        <a:rPr lang="pt-BR" sz="1800" b="1" baseline="0" dirty="0">
+                          <a:solidFill>
+                            <a:schemeClr val="tx1"/>
+                          </a:solidFill>
+                          <a:latin typeface="Courier New" panose="02070309020205020404" pitchFamily="49" charset="0"/>
+                          <a:cs typeface="Courier New" panose="02070309020205020404" pitchFamily="49" charset="0"/>
+                        </a:rPr>
+                        <a:t>print(point)  </a:t>
+                      </a:r>
+                      <a:r>
+                        <a:rPr lang="pt-BR" sz="1800" b="1" baseline="0" dirty="0">
+                          <a:solidFill>
+                            <a:schemeClr val="bg1">
+                              <a:lumMod val="50000"/>
+                            </a:schemeClr>
+                          </a:solidFill>
+                          <a:latin typeface="Courier New" panose="02070309020205020404" pitchFamily="49" charset="0"/>
+                          <a:cs typeface="Courier New" panose="02070309020205020404" pitchFamily="49" charset="0"/>
+                        </a:rPr>
+                        <a:t># class Pair has no __str__ method, uses object.__str__</a:t>
+                      </a:r>
+                    </a:p>
+                    <a:p>
+                      <a:pPr marL="266700" indent="-266700">
+                        <a:buClr>
+                          <a:schemeClr val="accent1">
+                            <a:lumMod val="50000"/>
+                          </a:schemeClr>
+                        </a:buClr>
+                        <a:buSzPct val="120000"/>
+                        <a:buFont typeface="Courier New" panose="02070309020205020404" pitchFamily="49" charset="0"/>
+                        <a:buChar char="|"/>
+                      </a:pPr>
+                      <a:r>
+                        <a:rPr lang="en-US" sz="1800" b="1" baseline="0" dirty="0">
+                          <a:solidFill>
+                            <a:schemeClr val="tx1"/>
+                          </a:solidFill>
+                          <a:latin typeface="Courier New" panose="02070309020205020404" pitchFamily="49" charset="0"/>
+                          <a:cs typeface="Courier New" panose="02070309020205020404" pitchFamily="49" charset="0"/>
+                        </a:rPr>
+                        <a:t>&lt;__</a:t>
+                      </a:r>
+                      <a:r>
+                        <a:rPr lang="en-US" sz="1800" b="1" baseline="0" dirty="0" err="1">
+                          <a:solidFill>
+                            <a:schemeClr val="tx1"/>
+                          </a:solidFill>
+                          <a:latin typeface="Courier New" panose="02070309020205020404" pitchFamily="49" charset="0"/>
+                          <a:cs typeface="Courier New" panose="02070309020205020404" pitchFamily="49" charset="0"/>
+                        </a:rPr>
+                        <a:t>main__.Pair</a:t>
+                      </a:r>
+                      <a:r>
+                        <a:rPr lang="en-US" sz="1800" b="1" baseline="0" dirty="0">
+                          <a:solidFill>
+                            <a:schemeClr val="tx1"/>
+                          </a:solidFill>
+                          <a:latin typeface="Courier New" panose="02070309020205020404" pitchFamily="49" charset="0"/>
+                          <a:cs typeface="Courier New" panose="02070309020205020404" pitchFamily="49" charset="0"/>
+                        </a:rPr>
+                        <a:t> object at 0x0000027571904B50&gt;</a:t>
+                      </a:r>
+                      <a:endParaRPr lang="pt-BR" sz="1800" b="1" baseline="0" dirty="0">
+                        <a:solidFill>
+                          <a:schemeClr val="tx1"/>
+                        </a:solidFill>
+                        <a:latin typeface="Courier New" panose="02070309020205020404" pitchFamily="49" charset="0"/>
+                        <a:cs typeface="Courier New" panose="02070309020205020404" pitchFamily="49" charset="0"/>
+                      </a:endParaRPr>
+                    </a:p>
+                    <a:p>
+                      <a:pPr marL="266700" indent="-266700">
+                        <a:spcBef>
+                          <a:spcPts val="1200"/>
+                        </a:spcBef>
+                        <a:spcAft>
+                          <a:spcPts val="1200"/>
+                        </a:spcAft>
+                        <a:buClr>
+                          <a:srgbClr val="C00000"/>
+                        </a:buClr>
+                        <a:buSzPct val="100000"/>
+                        <a:buFont typeface="Courier New" panose="02070309020205020404" pitchFamily="49" charset="0"/>
+                        <a:buChar char="&gt;"/>
+                      </a:pPr>
+                      <a:r>
+                        <a:rPr lang="pt-BR" sz="1800" b="1" baseline="0" dirty="0">
+                          <a:solidFill>
+                            <a:srgbClr val="C00000"/>
+                          </a:solidFill>
+                          <a:latin typeface="Courier New" panose="02070309020205020404" pitchFamily="49" charset="0"/>
+                          <a:cs typeface="Courier New" panose="02070309020205020404" pitchFamily="49" charset="0"/>
+                        </a:rPr>
+                        <a:t>Pair.__str__</a:t>
+                      </a:r>
+                      <a:r>
+                        <a:rPr lang="pt-BR" sz="1800" b="1" baseline="0" dirty="0">
+                          <a:solidFill>
+                            <a:schemeClr val="tx1"/>
+                          </a:solidFill>
+                          <a:latin typeface="Courier New" panose="02070309020205020404" pitchFamily="49" charset="0"/>
+                          <a:cs typeface="Courier New" panose="02070309020205020404" pitchFamily="49" charset="0"/>
+                        </a:rPr>
+                        <a:t> = lambda self: f'Pair({self._x}, {self._y})'</a:t>
+                      </a:r>
+                    </a:p>
+                    <a:p>
+                      <a:pPr marL="266700" indent="-266700">
+                        <a:buClr>
+                          <a:srgbClr val="C00000"/>
+                        </a:buClr>
+                        <a:buSzPct val="100000"/>
+                        <a:buFont typeface="Courier New" panose="02070309020205020404" pitchFamily="49" charset="0"/>
+                        <a:buChar char="&gt;"/>
+                      </a:pPr>
+                      <a:r>
+                        <a:rPr lang="pt-BR" sz="1800" b="1" baseline="0" dirty="0">
+                          <a:solidFill>
+                            <a:schemeClr val="tx1"/>
+                          </a:solidFill>
+                          <a:latin typeface="Courier New" panose="02070309020205020404" pitchFamily="49" charset="0"/>
+                          <a:cs typeface="Courier New" panose="02070309020205020404" pitchFamily="49" charset="0"/>
+                        </a:rPr>
+                        <a:t>print(point)</a:t>
+                      </a:r>
+                    </a:p>
+                    <a:p>
+                      <a:pPr marL="266700" indent="-266700">
+                        <a:buClr>
+                          <a:schemeClr val="accent1">
+                            <a:lumMod val="50000"/>
+                          </a:schemeClr>
+                        </a:buClr>
+                        <a:buSzPct val="120000"/>
+                        <a:buFont typeface="Courier New" panose="02070309020205020404" pitchFamily="49" charset="0"/>
+                        <a:buChar char="|"/>
+                      </a:pPr>
+                      <a:r>
+                        <a:rPr lang="en-US" sz="1800" b="1" baseline="0" dirty="0">
+                          <a:solidFill>
+                            <a:schemeClr val="tx1"/>
+                          </a:solidFill>
+                          <a:latin typeface="Courier New" panose="02070309020205020404" pitchFamily="49" charset="0"/>
+                          <a:cs typeface="Courier New" panose="02070309020205020404" pitchFamily="49" charset="0"/>
+                        </a:rPr>
+                        <a:t>Pair(3, 5)</a:t>
+                      </a:r>
+                    </a:p>
+                  </a:txBody>
+                  <a:tcPr>
+                    <a:lnL w="6350" cap="flat" cmpd="sng" algn="ctr">
+                      <a:solidFill>
+                        <a:schemeClr val="tx1"/>
+                      </a:solidFill>
+                      <a:prstDash val="solid"/>
+                      <a:round/>
+                      <a:headEnd type="none" w="med" len="med"/>
+                      <a:tailEnd type="none" w="med" len="med"/>
+                    </a:lnL>
+                    <a:lnR w="6350" cap="flat" cmpd="sng" algn="ctr">
+                      <a:solidFill>
+                        <a:schemeClr val="tx1"/>
+                      </a:solidFill>
+                      <a:prstDash val="solid"/>
+                      <a:round/>
+                      <a:headEnd type="none" w="med" len="med"/>
+                      <a:tailEnd type="none" w="med" len="med"/>
+                    </a:lnR>
+                    <a:lnT w="6350" cap="flat" cmpd="sng" algn="ctr">
+                      <a:solidFill>
+                        <a:schemeClr val="tx1"/>
+                      </a:solidFill>
+                      <a:prstDash val="solid"/>
+                      <a:round/>
+                      <a:headEnd type="none" w="med" len="med"/>
+                      <a:tailEnd type="none" w="med" len="med"/>
+                    </a:lnT>
+                    <a:lnB w="6350" cap="flat" cmpd="sng" algn="ctr">
+                      <a:solidFill>
+                        <a:schemeClr val="tx1"/>
+                      </a:solidFill>
+                      <a:prstDash val="solid"/>
+                      <a:round/>
+                      <a:headEnd type="none" w="med" len="med"/>
+                      <a:tailEnd type="none" w="med" len="med"/>
+                    </a:lnB>
+                    <a:lnTlToBr w="12700" cmpd="sng">
+                      <a:noFill/>
+                      <a:prstDash val="solid"/>
+                    </a:lnTlToBr>
+                    <a:lnBlToTr w="12700" cmpd="sng">
+                      <a:noFill/>
+                      <a:prstDash val="solid"/>
+                    </a:lnBlToTr>
+                    <a:solidFill>
+                      <a:schemeClr val="accent5">
+                        <a:lumMod val="20000"/>
+                        <a:lumOff val="80000"/>
+                      </a:schemeClr>
+                    </a:solidFill>
+                  </a:tcPr>
+                </a:tc>
+                <a:extLst>
+                  <a:ext uri="{0D108BD9-81ED-4DB2-BD59-A6C34878D82A}">
+                    <a16:rowId xmlns:a16="http://schemas.microsoft.com/office/drawing/2014/main" val="4112970457"/>
+                  </a:ext>
+                </a:extLst>
+              </a:tr>
+            </a:tbl>
+          </a:graphicData>
+        </a:graphic>
+      </p:graphicFrame>
+      <p:sp>
+        <p:nvSpPr>
+          <p:cNvPr id="2" name="Title 1">
+            <a:extLst>
+              <a:ext uri="{FF2B5EF4-FFF2-40B4-BE49-F238E27FC236}">
+                <a16:creationId xmlns:a16="http://schemas.microsoft.com/office/drawing/2014/main" id="{4A5645FE-B263-6B12-9647-79B1518D104E}"/>
+              </a:ext>
+            </a:extLst>
+          </p:cNvPr>
+          <p:cNvSpPr>
+            <a:spLocks noGrp="1"/>
+          </p:cNvSpPr>
+          <p:nvPr>
+            <p:ph type="title"/>
+          </p:nvPr>
+        </p:nvSpPr>
+        <p:spPr/>
+        <p:txBody>
+          <a:bodyPr/>
+          <a:lstStyle/>
+          <a:p>
+            <a:r>
+              <a:rPr lang="en-US" dirty="0"/>
+              <a:t>Python is really dynamic…</a:t>
+            </a:r>
+            <a:br>
+              <a:rPr lang="en-US" dirty="0"/>
+            </a:br>
+            <a:r>
+              <a:rPr lang="en-US" dirty="0"/>
+              <a:t>(this is ugly – </a:t>
+            </a:r>
+            <a:r>
+              <a:rPr lang="en-US"/>
+              <a:t>likely don’t </a:t>
+            </a:r>
+            <a:r>
+              <a:rPr lang="en-US" dirty="0"/>
+              <a:t>do this at home)</a:t>
+            </a:r>
+            <a:endParaRPr lang="da-DK" dirty="0"/>
+          </a:p>
+        </p:txBody>
+      </p:sp>
+      <p:pic>
+        <p:nvPicPr>
+          <p:cNvPr id="7" name="Picture 6">
+            <a:extLst>
+              <a:ext uri="{FF2B5EF4-FFF2-40B4-BE49-F238E27FC236}">
+                <a16:creationId xmlns:a16="http://schemas.microsoft.com/office/drawing/2014/main" id="{29D07E36-6B6C-6001-70A2-41F4505A4C3D}"/>
+              </a:ext>
+            </a:extLst>
+          </p:cNvPr>
+          <p:cNvPicPr>
+            <a:picLocks noChangeAspect="1"/>
+          </p:cNvPicPr>
+          <p:nvPr/>
+        </p:nvPicPr>
+        <p:blipFill>
+          <a:blip r:embed="rId3" cstate="print">
+            <a:extLst>
+              <a:ext uri="{28A0092B-C50C-407E-A947-70E740481C1C}">
+                <a14:useLocalDpi xmlns:a14="http://schemas.microsoft.com/office/drawing/2010/main" val="0"/>
+              </a:ext>
+            </a:extLst>
+          </a:blip>
+          <a:stretch>
+            <a:fillRect/>
+          </a:stretch>
+        </p:blipFill>
+        <p:spPr>
+          <a:xfrm>
+            <a:off x="425786" y="4789917"/>
+            <a:ext cx="487666" cy="405904"/>
+          </a:xfrm>
+          <a:prstGeom prst="rect">
+            <a:avLst/>
+          </a:prstGeom>
+        </p:spPr>
+      </p:pic>
+      <p:cxnSp>
+        <p:nvCxnSpPr>
+          <p:cNvPr id="8" name="Straight Arrow Connector 7">
+            <a:extLst>
+              <a:ext uri="{FF2B5EF4-FFF2-40B4-BE49-F238E27FC236}">
+                <a16:creationId xmlns:a16="http://schemas.microsoft.com/office/drawing/2014/main" id="{D2A93F9E-AED5-ACA8-C8B2-7566EE841E45}"/>
+              </a:ext>
+            </a:extLst>
+          </p:cNvPr>
+          <p:cNvCxnSpPr>
+            <a:cxnSpLocks/>
+          </p:cNvCxnSpPr>
+          <p:nvPr/>
+        </p:nvCxnSpPr>
+        <p:spPr>
+          <a:xfrm flipH="1" flipV="1">
+            <a:off x="3119718" y="5195821"/>
+            <a:ext cx="853489" cy="1081903"/>
+          </a:xfrm>
+          <a:prstGeom prst="straightConnector1">
+            <a:avLst/>
+          </a:prstGeom>
+          <a:ln w="38100">
+            <a:solidFill>
+              <a:srgbClr val="C00000"/>
+            </a:solidFill>
+            <a:tailEnd type="triangle"/>
+          </a:ln>
+        </p:spPr>
+        <p:style>
+          <a:lnRef idx="1">
+            <a:schemeClr val="accent1"/>
+          </a:lnRef>
+          <a:fillRef idx="0">
+            <a:schemeClr val="accent1"/>
+          </a:fillRef>
+          <a:effectRef idx="0">
+            <a:schemeClr val="accent1"/>
+          </a:effectRef>
+          <a:fontRef idx="minor">
+            <a:schemeClr val="tx1"/>
+          </a:fontRef>
+        </p:style>
+      </p:cxnSp>
+      <p:sp>
+        <p:nvSpPr>
+          <p:cNvPr id="9" name="TextBox 8">
+            <a:extLst>
+              <a:ext uri="{FF2B5EF4-FFF2-40B4-BE49-F238E27FC236}">
+                <a16:creationId xmlns:a16="http://schemas.microsoft.com/office/drawing/2014/main" id="{31B27B3B-62B7-98FC-F209-5EBE9B81FAF6}"/>
+              </a:ext>
+            </a:extLst>
+          </p:cNvPr>
+          <p:cNvSpPr txBox="1"/>
+          <p:nvPr/>
+        </p:nvSpPr>
+        <p:spPr>
+          <a:xfrm>
+            <a:off x="4050048" y="6123834"/>
+            <a:ext cx="8141952" cy="646331"/>
+          </a:xfrm>
+          <a:prstGeom prst="rect">
+            <a:avLst/>
+          </a:prstGeom>
+          <a:noFill/>
+        </p:spPr>
+        <p:txBody>
+          <a:bodyPr wrap="square" rtlCol="0">
+            <a:spAutoFit/>
+          </a:bodyPr>
+          <a:lstStyle/>
+          <a:p>
+            <a:r>
+              <a:rPr lang="en-US" dirty="0"/>
+              <a:t>dynamically add a method to an existing class (and all existing instances),</a:t>
+            </a:r>
+          </a:p>
+          <a:p>
+            <a:r>
+              <a:rPr lang="en-US" dirty="0"/>
+              <a:t>e.g. technique used by the </a:t>
+            </a:r>
+            <a:r>
+              <a:rPr lang="da-DK" dirty="0"/>
+              <a:t>class </a:t>
+            </a:r>
+            <a:r>
+              <a:rPr lang="da-DK" dirty="0" err="1"/>
+              <a:t>decorator</a:t>
+            </a:r>
+            <a:r>
+              <a:rPr lang="da-DK" dirty="0"/>
+              <a:t> </a:t>
+            </a:r>
+            <a:r>
+              <a:rPr lang="da-DK" dirty="0">
+                <a:latin typeface="Courier New" panose="02070309020205020404" pitchFamily="49" charset="0"/>
+                <a:cs typeface="Courier New" panose="02070309020205020404" pitchFamily="49" charset="0"/>
+              </a:rPr>
+              <a:t>@functools.total_ordering</a:t>
+            </a:r>
+            <a:endParaRPr lang="en-US" dirty="0">
+              <a:latin typeface="Courier New" panose="02070309020205020404" pitchFamily="49" charset="0"/>
+              <a:cs typeface="Courier New" panose="02070309020205020404" pitchFamily="49" charset="0"/>
+            </a:endParaRPr>
+          </a:p>
+        </p:txBody>
+      </p:sp>
+    </p:spTree>
+    <p:extLst>
+      <p:ext uri="{BB962C8B-B14F-4D97-AF65-F5344CB8AC3E}">
+        <p14:creationId xmlns:p14="http://schemas.microsoft.com/office/powerpoint/2010/main" val="923762653"/>
+      </p:ext>
+    </p:extLst>
+  </p:cSld>
+  <p:clrMapOvr>
+    <a:masterClrMapping/>
+  </p:clrMapOvr>
+  <p:timing>
+    <p:tnLst>
+      <p:par>
+        <p:cTn id="1" dur="indefinite" restart="never" nodeType="tmRoot">
+          <p:childTnLst>
+            <p:seq concurrent="1" nextAc="seek">
+              <p:cTn id="2" dur="indefinite" nodeType="mainSeq">
+                <p:childTnLst>
+                  <p:par>
+                    <p:cTn id="3" fill="hold">
+                      <p:stCondLst>
+                        <p:cond delay="indefinite"/>
+                      </p:stCondLst>
+                      <p:childTnLst>
+                        <p:par>
+                          <p:cTn id="4" fill="hold">
+                            <p:stCondLst>
+                              <p:cond delay="0"/>
+                            </p:stCondLst>
+                            <p:childTnLst>
+                              <p:par>
+                                <p:cTn id="5" presetID="10" presetClass="entr" presetSubtype="0" fill="hold" nodeType="clickEffect">
+                                  <p:stCondLst>
+                                    <p:cond delay="0"/>
+                                  </p:stCondLst>
+                                  <p:childTnLst>
+                                    <p:set>
+                                      <p:cBhvr>
+                                        <p:cTn id="6" dur="1" fill="hold">
+                                          <p:stCondLst>
+                                            <p:cond delay="0"/>
+                                          </p:stCondLst>
+                                        </p:cTn>
+                                        <p:tgtEl>
+                                          <p:spTgt spid="8"/>
+                                        </p:tgtEl>
+                                        <p:attrNameLst>
+                                          <p:attrName>style.visibility</p:attrName>
+                                        </p:attrNameLst>
+                                      </p:cBhvr>
+                                      <p:to>
+                                        <p:strVal val="visible"/>
+                                      </p:to>
+                                    </p:set>
+                                    <p:animEffect transition="in" filter="fade">
+                                      <p:cBhvr>
+                                        <p:cTn id="7" dur="500"/>
+                                        <p:tgtEl>
+                                          <p:spTgt spid="8"/>
+                                        </p:tgtEl>
+                                      </p:cBhvr>
+                                    </p:animEffect>
+                                  </p:childTnLst>
+                                </p:cTn>
+                              </p:par>
+                              <p:par>
+                                <p:cTn id="8" presetID="10" presetClass="entr" presetSubtype="0" fill="hold" grpId="0" nodeType="withEffect">
+                                  <p:stCondLst>
+                                    <p:cond delay="0"/>
+                                  </p:stCondLst>
+                                  <p:childTnLst>
+                                    <p:set>
+                                      <p:cBhvr>
+                                        <p:cTn id="9" dur="1" fill="hold">
+                                          <p:stCondLst>
+                                            <p:cond delay="0"/>
+                                          </p:stCondLst>
+                                        </p:cTn>
+                                        <p:tgtEl>
+                                          <p:spTgt spid="9"/>
+                                        </p:tgtEl>
+                                        <p:attrNameLst>
+                                          <p:attrName>style.visibility</p:attrName>
+                                        </p:attrNameLst>
+                                      </p:cBhvr>
+                                      <p:to>
+                                        <p:strVal val="visible"/>
+                                      </p:to>
+                                    </p:set>
+                                    <p:animEffect transition="in" filter="fade">
+                                      <p:cBhvr>
+                                        <p:cTn id="10" dur="500"/>
+                                        <p:tgtEl>
+                                          <p:spTgt spid="9"/>
+                                        </p:tgtEl>
+                                      </p:cBhvr>
+                                    </p:animEffect>
+                                  </p:childTnLst>
+                                </p:cTn>
+                              </p:par>
+                            </p:childTnLst>
+                          </p:cTn>
+                        </p:par>
+                      </p:childTnLst>
+                    </p:cTn>
+                  </p:par>
+                </p:childTnLst>
+              </p:cTn>
+              <p:prevCondLst>
+                <p:cond evt="onPrev" delay="0">
+                  <p:tgtEl>
+                    <p:sldTgt/>
+                  </p:tgtEl>
+                </p:cond>
+              </p:prevCondLst>
+              <p:nextCondLst>
+                <p:cond evt="onNext" delay="0">
+                  <p:tgtEl>
+                    <p:sldTgt/>
+                  </p:tgtEl>
+                </p:cond>
+              </p:nextCondLst>
+            </p:seq>
+          </p:childTnLst>
+        </p:cTn>
+      </p:par>
+    </p:tnLst>
+    <p:bldLst>
+      <p:bldP spid="9" grpId="0"/>
+    </p:bldLst>
+  </p:timing>
+</p:sld>
+</file>
+
+<file path=ppt/slides/slide21.xml><?xml version="1.0" encoding="utf-8"?>
 <p:sld xmlns:a="http://schemas.openxmlformats.org/drawingml/2006/main" xmlns:r="http://schemas.openxmlformats.org/officeDocument/2006/relationships" xmlns:p="http://schemas.openxmlformats.org/presentationml/2006/main">
   <p:cSld>
     <p:spTree>

--- a/ipsa/slides/hierarchies.pptx
+++ b/ipsa/slides/hierarchies.pptx
@@ -138,7 +138,7 @@
 <file path=ppt/revisionInfo.xml><?xml version="1.0" encoding="utf-8"?>
 <p1510:revInfo xmlns:a="http://schemas.openxmlformats.org/drawingml/2006/main" xmlns:r="http://schemas.openxmlformats.org/officeDocument/2006/relationships" xmlns:p1510="http://schemas.microsoft.com/office/powerpoint/2015/10/main">
   <p1510:revLst>
-    <p1510:client id="{DE3418AB-9059-4C6E-90D8-80D2535879EB}" v="54" dt="2023-03-10T16:26:09.444"/>
+    <p1510:client id="{5C45074F-52FB-4CB5-A1FE-0CDA278A1BE3}" v="3" dt="2024-03-05T21:42:14.284"/>
   </p1510:revLst>
 </p1510:revInfo>
 </file>
@@ -443,6 +443,60 @@
       </pc:sldChg>
     </pc:docChg>
   </pc:docChgLst>
+  <pc:docChgLst>
+    <pc:chgData name="Gerth Stølting Brodal" userId="04ef4784-6591-4f86-a140-f5c3b108582a" providerId="ADAL" clId="{5C45074F-52FB-4CB5-A1FE-0CDA278A1BE3}"/>
+    <pc:docChg chg="custSel modSld">
+      <pc:chgData name="Gerth Stølting Brodal" userId="04ef4784-6591-4f86-a140-f5c3b108582a" providerId="ADAL" clId="{5C45074F-52FB-4CB5-A1FE-0CDA278A1BE3}" dt="2024-03-05T22:04:22.324" v="32" actId="6549"/>
+      <pc:docMkLst>
+        <pc:docMk/>
+      </pc:docMkLst>
+      <pc:sldChg chg="modSp mod">
+        <pc:chgData name="Gerth Stølting Brodal" userId="04ef4784-6591-4f86-a140-f5c3b108582a" providerId="ADAL" clId="{5C45074F-52FB-4CB5-A1FE-0CDA278A1BE3}" dt="2024-03-05T21:42:44.181" v="18" actId="1076"/>
+        <pc:sldMkLst>
+          <pc:docMk/>
+          <pc:sldMk cId="2915881254" sldId="676"/>
+        </pc:sldMkLst>
+        <pc:graphicFrameChg chg="mod modGraphic">
+          <ac:chgData name="Gerth Stølting Brodal" userId="04ef4784-6591-4f86-a140-f5c3b108582a" providerId="ADAL" clId="{5C45074F-52FB-4CB5-A1FE-0CDA278A1BE3}" dt="2024-03-05T21:42:44.181" v="18" actId="1076"/>
+          <ac:graphicFrameMkLst>
+            <pc:docMk/>
+            <pc:sldMk cId="2915881254" sldId="676"/>
+            <ac:graphicFrameMk id="4" creationId="{00000000-0000-0000-0000-000000000000}"/>
+          </ac:graphicFrameMkLst>
+        </pc:graphicFrameChg>
+      </pc:sldChg>
+      <pc:sldChg chg="modSp mod">
+        <pc:chgData name="Gerth Stølting Brodal" userId="04ef4784-6591-4f86-a140-f5c3b108582a" providerId="ADAL" clId="{5C45074F-52FB-4CB5-A1FE-0CDA278A1BE3}" dt="2024-03-05T21:45:37.897" v="26" actId="20577"/>
+        <pc:sldMkLst>
+          <pc:docMk/>
+          <pc:sldMk cId="2256920451" sldId="677"/>
+        </pc:sldMkLst>
+        <pc:graphicFrameChg chg="modGraphic">
+          <ac:chgData name="Gerth Stølting Brodal" userId="04ef4784-6591-4f86-a140-f5c3b108582a" providerId="ADAL" clId="{5C45074F-52FB-4CB5-A1FE-0CDA278A1BE3}" dt="2024-03-05T21:45:37.897" v="26" actId="20577"/>
+          <ac:graphicFrameMkLst>
+            <pc:docMk/>
+            <pc:sldMk cId="2256920451" sldId="677"/>
+            <ac:graphicFrameMk id="5" creationId="{00000000-0000-0000-0000-000000000000}"/>
+          </ac:graphicFrameMkLst>
+        </pc:graphicFrameChg>
+      </pc:sldChg>
+      <pc:sldChg chg="modSp mod">
+        <pc:chgData name="Gerth Stølting Brodal" userId="04ef4784-6591-4f86-a140-f5c3b108582a" providerId="ADAL" clId="{5C45074F-52FB-4CB5-A1FE-0CDA278A1BE3}" dt="2024-03-05T22:04:22.324" v="32" actId="6549"/>
+        <pc:sldMkLst>
+          <pc:docMk/>
+          <pc:sldMk cId="3840876851" sldId="699"/>
+        </pc:sldMkLst>
+        <pc:graphicFrameChg chg="modGraphic">
+          <ac:chgData name="Gerth Stølting Brodal" userId="04ef4784-6591-4f86-a140-f5c3b108582a" providerId="ADAL" clId="{5C45074F-52FB-4CB5-A1FE-0CDA278A1BE3}" dt="2024-03-05T22:04:22.324" v="32" actId="6549"/>
+          <ac:graphicFrameMkLst>
+            <pc:docMk/>
+            <pc:sldMk cId="3840876851" sldId="699"/>
+            <ac:graphicFrameMk id="5" creationId="{00000000-0000-0000-0000-000000000000}"/>
+          </ac:graphicFrameMkLst>
+        </pc:graphicFrameChg>
+      </pc:sldChg>
+    </pc:docChg>
+  </pc:docChgLst>
 </pc:chgInfo>
 </file>
 
@@ -528,7 +582,7 @@
           <a:p>
             <a:fld id="{FB1A172F-81D4-4DC4-9113-1DBD56EC3646}" type="datetimeFigureOut">
               <a:rPr lang="en-US" smtClean="0"/>
-              <a:t>3/10/2023</a:t>
+              <a:t>3/5/2024</a:t>
             </a:fld>
             <a:endParaRPr lang="en-US"/>
           </a:p>
@@ -2309,7 +2363,7 @@
           <a:p>
             <a:fld id="{0560A9CD-0304-4E0B-9E82-E7E0115DE05B}" type="datetimeFigureOut">
               <a:rPr lang="en-US" smtClean="0"/>
-              <a:t>3/10/2023</a:t>
+              <a:t>3/5/2024</a:t>
             </a:fld>
             <a:endParaRPr lang="en-US"/>
           </a:p>
@@ -2477,7 +2531,7 @@
           <a:p>
             <a:fld id="{0560A9CD-0304-4E0B-9E82-E7E0115DE05B}" type="datetimeFigureOut">
               <a:rPr lang="en-US" smtClean="0"/>
-              <a:t>3/10/2023</a:t>
+              <a:t>3/5/2024</a:t>
             </a:fld>
             <a:endParaRPr lang="en-US"/>
           </a:p>
@@ -2655,7 +2709,7 @@
           <a:p>
             <a:fld id="{0560A9CD-0304-4E0B-9E82-E7E0115DE05B}" type="datetimeFigureOut">
               <a:rPr lang="en-US" smtClean="0"/>
-              <a:t>3/10/2023</a:t>
+              <a:t>3/5/2024</a:t>
             </a:fld>
             <a:endParaRPr lang="en-US"/>
           </a:p>
@@ -2838,7 +2892,7 @@
           <a:p>
             <a:fld id="{0560A9CD-0304-4E0B-9E82-E7E0115DE05B}" type="datetimeFigureOut">
               <a:rPr lang="en-US" smtClean="0"/>
-              <a:t>3/10/2023</a:t>
+              <a:t>3/5/2024</a:t>
             </a:fld>
             <a:endParaRPr lang="en-US"/>
           </a:p>
@@ -3083,7 +3137,7 @@
           <a:p>
             <a:fld id="{0560A9CD-0304-4E0B-9E82-E7E0115DE05B}" type="datetimeFigureOut">
               <a:rPr lang="en-US" smtClean="0"/>
-              <a:t>3/10/2023</a:t>
+              <a:t>3/5/2024</a:t>
             </a:fld>
             <a:endParaRPr lang="en-US"/>
           </a:p>
@@ -3312,7 +3366,7 @@
           <a:p>
             <a:fld id="{0560A9CD-0304-4E0B-9E82-E7E0115DE05B}" type="datetimeFigureOut">
               <a:rPr lang="en-US" smtClean="0"/>
-              <a:t>3/10/2023</a:t>
+              <a:t>3/5/2024</a:t>
             </a:fld>
             <a:endParaRPr lang="en-US"/>
           </a:p>
@@ -3676,7 +3730,7 @@
           <a:p>
             <a:fld id="{0560A9CD-0304-4E0B-9E82-E7E0115DE05B}" type="datetimeFigureOut">
               <a:rPr lang="en-US" smtClean="0"/>
-              <a:t>3/10/2023</a:t>
+              <a:t>3/5/2024</a:t>
             </a:fld>
             <a:endParaRPr lang="en-US"/>
           </a:p>
@@ -3793,7 +3847,7 @@
           <a:p>
             <a:fld id="{0560A9CD-0304-4E0B-9E82-E7E0115DE05B}" type="datetimeFigureOut">
               <a:rPr lang="en-US" smtClean="0"/>
-              <a:t>3/10/2023</a:t>
+              <a:t>3/5/2024</a:t>
             </a:fld>
             <a:endParaRPr lang="en-US"/>
           </a:p>
@@ -3888,7 +3942,7 @@
           <a:p>
             <a:fld id="{0560A9CD-0304-4E0B-9E82-E7E0115DE05B}" type="datetimeFigureOut">
               <a:rPr lang="en-US" smtClean="0"/>
-              <a:t>3/10/2023</a:t>
+              <a:t>3/5/2024</a:t>
             </a:fld>
             <a:endParaRPr lang="en-US"/>
           </a:p>
@@ -4163,7 +4217,7 @@
           <a:p>
             <a:fld id="{0560A9CD-0304-4E0B-9E82-E7E0115DE05B}" type="datetimeFigureOut">
               <a:rPr lang="en-US" smtClean="0"/>
-              <a:t>3/10/2023</a:t>
+              <a:t>3/5/2024</a:t>
             </a:fld>
             <a:endParaRPr lang="en-US"/>
           </a:p>
@@ -4415,7 +4469,7 @@
           <a:p>
             <a:fld id="{0560A9CD-0304-4E0B-9E82-E7E0115DE05B}" type="datetimeFigureOut">
               <a:rPr lang="en-US" smtClean="0"/>
-              <a:t>3/10/2023</a:t>
+              <a:t>3/5/2024</a:t>
             </a:fld>
             <a:endParaRPr lang="en-US"/>
           </a:p>
@@ -4626,7 +4680,7 @@
           <a:p>
             <a:fld id="{0560A9CD-0304-4E0B-9E82-E7E0115DE05B}" type="datetimeFigureOut">
               <a:rPr lang="en-US" smtClean="0"/>
-              <a:t>3/10/2023</a:t>
+              <a:t>3/5/2024</a:t>
             </a:fld>
             <a:endParaRPr lang="en-US"/>
           </a:p>
@@ -5277,7 +5331,7 @@
           <p:nvPr>
             <p:extLst>
               <p:ext uri="{D42A27DB-BD31-4B8C-83A1-F6EECF244321}">
-                <p14:modId xmlns:p14="http://schemas.microsoft.com/office/powerpoint/2010/main" val="494430869"/>
+                <p14:modId xmlns:p14="http://schemas.microsoft.com/office/powerpoint/2010/main" val="1806730533"/>
               </p:ext>
             </p:extLst>
           </p:nvPr>
@@ -5486,7 +5540,7 @@
                           <a:latin typeface="Courier New" panose="02070309020205020404" pitchFamily="49" charset="0"/>
                           <a:cs typeface="Courier New" panose="02070309020205020404" pitchFamily="49" charset="0"/>
                         </a:rPr>
-                        <a:t>        print("A says hello")</a:t>
+                        <a:t>        print('A says hello')</a:t>
                       </a:r>
                     </a:p>
                     <a:p>
@@ -5660,7 +5714,7 @@
                           <a:latin typeface="Courier New" panose="02070309020205020404" pitchFamily="49" charset="0"/>
                           <a:cs typeface="Courier New" panose="02070309020205020404" pitchFamily="49" charset="0"/>
                         </a:rPr>
-                        <a:t>        print("B says hello")</a:t>
+                        <a:t>        print('B says hello')</a:t>
                       </a:r>
                     </a:p>
                     <a:p>
@@ -16616,14 +16670,14 @@
           <p:nvPr>
             <p:extLst>
               <p:ext uri="{D42A27DB-BD31-4B8C-83A1-F6EECF244321}">
-                <p14:modId xmlns:p14="http://schemas.microsoft.com/office/powerpoint/2010/main" val="1782509742"/>
+                <p14:modId xmlns:p14="http://schemas.microsoft.com/office/powerpoint/2010/main" val="627543743"/>
               </p:ext>
             </p:extLst>
           </p:nvPr>
         </p:nvGraphicFramePr>
         <p:xfrm>
-          <a:off x="6555451" y="1116098"/>
-          <a:ext cx="5370830" cy="5577840"/>
+          <a:off x="7530811" y="640080"/>
+          <a:ext cx="4005580" cy="5577840"/>
         </p:xfrm>
         <a:graphic>
           <a:graphicData uri="http://schemas.openxmlformats.org/drawingml/2006/table">
@@ -16632,7 +16686,7 @@
                 <a:tableStyleId>{5C22544A-7EE6-4342-B048-85BDC9FD1C3A}</a:tableStyleId>
               </a:tblPr>
               <a:tblGrid>
-                <a:gridCol w="5370830">
+                <a:gridCol w="4005580">
                   <a:extLst>
                     <a:ext uri="{9D8B030D-6E8A-4147-A177-3AD203B41FA5}">
                       <a16:colId xmlns:a16="http://schemas.microsoft.com/office/drawing/2014/main" val="1873682825"/>
@@ -16935,7 +16989,7 @@
                           <a:latin typeface="Courier New" panose="02070309020205020404" pitchFamily="49" charset="0"/>
                           <a:cs typeface="Courier New" panose="02070309020205020404" pitchFamily="49" charset="0"/>
                         </a:rPr>
-                        <a:t>print("obj.get_x() =", obj.get_x())</a:t>
+                        <a:t>print(f'{obj.get_x() = }')</a:t>
                       </a:r>
                     </a:p>
                     <a:p>
@@ -16944,7 +16998,7 @@
                           <a:latin typeface="Courier New" panose="02070309020205020404" pitchFamily="49" charset="0"/>
                           <a:cs typeface="Courier New" panose="02070309020205020404" pitchFamily="49" charset="0"/>
                         </a:rPr>
-                        <a:t>print("obj.x =", obj.x)</a:t>
+                        <a:t>print(f'{obj.x = }')</a:t>
                       </a:r>
                     </a:p>
                     <a:p>
@@ -16953,7 +17007,7 @@
                           <a:latin typeface="Courier New" panose="02070309020205020404" pitchFamily="49" charset="0"/>
                           <a:cs typeface="Courier New" panose="02070309020205020404" pitchFamily="49" charset="0"/>
                         </a:rPr>
-                        <a:t>print("X.get_x(obj) =", </a:t>
+                        <a:t>print(f'{</a:t>
                       </a:r>
                       <a:r>
                         <a:rPr lang="pt-BR" sz="1800" b="1" dirty="0">
@@ -16970,7 +17024,7 @@
                           <a:latin typeface="Courier New" panose="02070309020205020404" pitchFamily="49" charset="0"/>
                           <a:cs typeface="Courier New" panose="02070309020205020404" pitchFamily="49" charset="0"/>
                         </a:rPr>
-                        <a:t>)</a:t>
+                        <a:t> = }')</a:t>
                       </a:r>
                     </a:p>
                   </a:txBody>
@@ -19232,7 +19286,7 @@
           <p:nvPr>
             <p:extLst>
               <p:ext uri="{D42A27DB-BD31-4B8C-83A1-F6EECF244321}">
-                <p14:modId xmlns:p14="http://schemas.microsoft.com/office/powerpoint/2010/main" val="523560731"/>
+                <p14:modId xmlns:p14="http://schemas.microsoft.com/office/powerpoint/2010/main" val="1906936628"/>
               </p:ext>
             </p:extLst>
           </p:nvPr>
@@ -19656,7 +19710,7 @@
                           <a:latin typeface="Courier New" panose="02070309020205020404" pitchFamily="49" charset="0"/>
                           <a:cs typeface="Courier New" panose="02070309020205020404" pitchFamily="49" charset="0"/>
                         </a:rPr>
-                        <a:t>("</a:t>
+                        <a:t>('</a:t>
                       </a:r>
                       <a:r>
                         <a:rPr lang="en-US" sz="1800" b="1" dirty="0" err="1">
@@ -19669,15 +19723,22 @@
                         <a:t>abc</a:t>
                       </a:r>
                       <a:r>
-                        <a:rPr lang="en-US" sz="1800" b="1" dirty="0">
+                        <a:rPr lang="en-US" sz="1800" b="1">
                           <a:solidFill>
                             <a:schemeClr val="tx1"/>
                           </a:solidFill>
                           <a:latin typeface="Courier New" panose="02070309020205020404" pitchFamily="49" charset="0"/>
                           <a:cs typeface="Courier New" panose="02070309020205020404" pitchFamily="49" charset="0"/>
                         </a:rPr>
-                        <a:t>")</a:t>
-                      </a:r>
+                        <a:t>')</a:t>
+                      </a:r>
+                      <a:endParaRPr lang="en-US" sz="1800" b="1" dirty="0">
+                        <a:solidFill>
+                          <a:schemeClr val="tx1"/>
+                        </a:solidFill>
+                        <a:latin typeface="Courier New" panose="02070309020205020404" pitchFamily="49" charset="0"/>
+                        <a:cs typeface="Courier New" panose="02070309020205020404" pitchFamily="49" charset="0"/>
+                      </a:endParaRPr>
                     </a:p>
                   </a:txBody>
                   <a:tcPr>

--- a/ipsa/slides/hierarchies.pptx
+++ b/ipsa/slides/hierarchies.pptx
@@ -446,7 +446,7 @@
   <pc:docChgLst>
     <pc:chgData name="Gerth Stølting Brodal" userId="04ef4784-6591-4f86-a140-f5c3b108582a" providerId="ADAL" clId="{5C45074F-52FB-4CB5-A1FE-0CDA278A1BE3}"/>
     <pc:docChg chg="custSel modSld">
-      <pc:chgData name="Gerth Stølting Brodal" userId="04ef4784-6591-4f86-a140-f5c3b108582a" providerId="ADAL" clId="{5C45074F-52FB-4CB5-A1FE-0CDA278A1BE3}" dt="2024-03-05T22:04:22.324" v="32" actId="6549"/>
+      <pc:chgData name="Gerth Stølting Brodal" userId="04ef4784-6591-4f86-a140-f5c3b108582a" providerId="ADAL" clId="{5C45074F-52FB-4CB5-A1FE-0CDA278A1BE3}" dt="2024-03-06T18:35:49.275" v="40" actId="20577"/>
       <pc:docMkLst>
         <pc:docMk/>
       </pc:docMkLst>
@@ -481,6 +481,36 @@
         </pc:graphicFrameChg>
       </pc:sldChg>
       <pc:sldChg chg="modSp mod">
+        <pc:chgData name="Gerth Stølting Brodal" userId="04ef4784-6591-4f86-a140-f5c3b108582a" providerId="ADAL" clId="{5C45074F-52FB-4CB5-A1FE-0CDA278A1BE3}" dt="2024-03-06T18:35:49.275" v="40" actId="20577"/>
+        <pc:sldMkLst>
+          <pc:docMk/>
+          <pc:sldMk cId="3232688819" sldId="692"/>
+        </pc:sldMkLst>
+        <pc:graphicFrameChg chg="modGraphic">
+          <ac:chgData name="Gerth Stølting Brodal" userId="04ef4784-6591-4f86-a140-f5c3b108582a" providerId="ADAL" clId="{5C45074F-52FB-4CB5-A1FE-0CDA278A1BE3}" dt="2024-03-06T18:35:49.275" v="40" actId="20577"/>
+          <ac:graphicFrameMkLst>
+            <pc:docMk/>
+            <pc:sldMk cId="3232688819" sldId="692"/>
+            <ac:graphicFrameMk id="6" creationId="{00000000-0000-0000-0000-000000000000}"/>
+          </ac:graphicFrameMkLst>
+        </pc:graphicFrameChg>
+      </pc:sldChg>
+      <pc:sldChg chg="modSp mod">
+        <pc:chgData name="Gerth Stølting Brodal" userId="04ef4784-6591-4f86-a140-f5c3b108582a" providerId="ADAL" clId="{5C45074F-52FB-4CB5-A1FE-0CDA278A1BE3}" dt="2024-03-06T18:35:18.536" v="36" actId="20577"/>
+        <pc:sldMkLst>
+          <pc:docMk/>
+          <pc:sldMk cId="3111229943" sldId="693"/>
+        </pc:sldMkLst>
+        <pc:graphicFrameChg chg="modGraphic">
+          <ac:chgData name="Gerth Stølting Brodal" userId="04ef4784-6591-4f86-a140-f5c3b108582a" providerId="ADAL" clId="{5C45074F-52FB-4CB5-A1FE-0CDA278A1BE3}" dt="2024-03-06T18:35:18.536" v="36" actId="20577"/>
+          <ac:graphicFrameMkLst>
+            <pc:docMk/>
+            <pc:sldMk cId="3111229943" sldId="693"/>
+            <ac:graphicFrameMk id="4" creationId="{00000000-0000-0000-0000-000000000000}"/>
+          </ac:graphicFrameMkLst>
+        </pc:graphicFrameChg>
+      </pc:sldChg>
+      <pc:sldChg chg="modSp mod">
         <pc:chgData name="Gerth Stølting Brodal" userId="04ef4784-6591-4f86-a140-f5c3b108582a" providerId="ADAL" clId="{5C45074F-52FB-4CB5-A1FE-0CDA278A1BE3}" dt="2024-03-05T22:04:22.324" v="32" actId="6549"/>
         <pc:sldMkLst>
           <pc:docMk/>
@@ -492,6 +522,29 @@
             <pc:docMk/>
             <pc:sldMk cId="3840876851" sldId="699"/>
             <ac:graphicFrameMk id="5" creationId="{00000000-0000-0000-0000-000000000000}"/>
+          </ac:graphicFrameMkLst>
+        </pc:graphicFrameChg>
+      </pc:sldChg>
+      <pc:sldChg chg="modSp mod">
+        <pc:chgData name="Gerth Stølting Brodal" userId="04ef4784-6591-4f86-a140-f5c3b108582a" providerId="ADAL" clId="{5C45074F-52FB-4CB5-A1FE-0CDA278A1BE3}" dt="2024-03-06T18:35:39.096" v="38" actId="20577"/>
+        <pc:sldMkLst>
+          <pc:docMk/>
+          <pc:sldMk cId="4082157600" sldId="700"/>
+        </pc:sldMkLst>
+        <pc:graphicFrameChg chg="modGraphic">
+          <ac:chgData name="Gerth Stølting Brodal" userId="04ef4784-6591-4f86-a140-f5c3b108582a" providerId="ADAL" clId="{5C45074F-52FB-4CB5-A1FE-0CDA278A1BE3}" dt="2024-03-06T18:35:39.096" v="38" actId="20577"/>
+          <ac:graphicFrameMkLst>
+            <pc:docMk/>
+            <pc:sldMk cId="4082157600" sldId="700"/>
+            <ac:graphicFrameMk id="7" creationId="{00000000-0000-0000-0000-000000000000}"/>
+          </ac:graphicFrameMkLst>
+        </pc:graphicFrameChg>
+        <pc:graphicFrameChg chg="modGraphic">
+          <ac:chgData name="Gerth Stølting Brodal" userId="04ef4784-6591-4f86-a140-f5c3b108582a" providerId="ADAL" clId="{5C45074F-52FB-4CB5-A1FE-0CDA278A1BE3}" dt="2024-03-06T18:35:09.878" v="34" actId="20577"/>
+          <ac:graphicFrameMkLst>
+            <pc:docMk/>
+            <pc:sldMk cId="4082157600" sldId="700"/>
+            <ac:graphicFrameMk id="8" creationId="{00000000-0000-0000-0000-000000000000}"/>
           </ac:graphicFrameMkLst>
         </pc:graphicFrameChg>
       </pc:sldChg>
@@ -582,7 +635,7 @@
           <a:p>
             <a:fld id="{FB1A172F-81D4-4DC4-9113-1DBD56EC3646}" type="datetimeFigureOut">
               <a:rPr lang="en-US" smtClean="0"/>
-              <a:t>3/5/2024</a:t>
+              <a:t>3/6/2024</a:t>
             </a:fld>
             <a:endParaRPr lang="en-US"/>
           </a:p>
@@ -2363,7 +2416,7 @@
           <a:p>
             <a:fld id="{0560A9CD-0304-4E0B-9E82-E7E0115DE05B}" type="datetimeFigureOut">
               <a:rPr lang="en-US" smtClean="0"/>
-              <a:t>3/5/2024</a:t>
+              <a:t>3/6/2024</a:t>
             </a:fld>
             <a:endParaRPr lang="en-US"/>
           </a:p>
@@ -2531,7 +2584,7 @@
           <a:p>
             <a:fld id="{0560A9CD-0304-4E0B-9E82-E7E0115DE05B}" type="datetimeFigureOut">
               <a:rPr lang="en-US" smtClean="0"/>
-              <a:t>3/5/2024</a:t>
+              <a:t>3/6/2024</a:t>
             </a:fld>
             <a:endParaRPr lang="en-US"/>
           </a:p>
@@ -2709,7 +2762,7 @@
           <a:p>
             <a:fld id="{0560A9CD-0304-4E0B-9E82-E7E0115DE05B}" type="datetimeFigureOut">
               <a:rPr lang="en-US" smtClean="0"/>
-              <a:t>3/5/2024</a:t>
+              <a:t>3/6/2024</a:t>
             </a:fld>
             <a:endParaRPr lang="en-US"/>
           </a:p>
@@ -2892,7 +2945,7 @@
           <a:p>
             <a:fld id="{0560A9CD-0304-4E0B-9E82-E7E0115DE05B}" type="datetimeFigureOut">
               <a:rPr lang="en-US" smtClean="0"/>
-              <a:t>3/5/2024</a:t>
+              <a:t>3/6/2024</a:t>
             </a:fld>
             <a:endParaRPr lang="en-US"/>
           </a:p>
@@ -3137,7 +3190,7 @@
           <a:p>
             <a:fld id="{0560A9CD-0304-4E0B-9E82-E7E0115DE05B}" type="datetimeFigureOut">
               <a:rPr lang="en-US" smtClean="0"/>
-              <a:t>3/5/2024</a:t>
+              <a:t>3/6/2024</a:t>
             </a:fld>
             <a:endParaRPr lang="en-US"/>
           </a:p>
@@ -3366,7 +3419,7 @@
           <a:p>
             <a:fld id="{0560A9CD-0304-4E0B-9E82-E7E0115DE05B}" type="datetimeFigureOut">
               <a:rPr lang="en-US" smtClean="0"/>
-              <a:t>3/5/2024</a:t>
+              <a:t>3/6/2024</a:t>
             </a:fld>
             <a:endParaRPr lang="en-US"/>
           </a:p>
@@ -3730,7 +3783,7 @@
           <a:p>
             <a:fld id="{0560A9CD-0304-4E0B-9E82-E7E0115DE05B}" type="datetimeFigureOut">
               <a:rPr lang="en-US" smtClean="0"/>
-              <a:t>3/5/2024</a:t>
+              <a:t>3/6/2024</a:t>
             </a:fld>
             <a:endParaRPr lang="en-US"/>
           </a:p>
@@ -3847,7 +3900,7 @@
           <a:p>
             <a:fld id="{0560A9CD-0304-4E0B-9E82-E7E0115DE05B}" type="datetimeFigureOut">
               <a:rPr lang="en-US" smtClean="0"/>
-              <a:t>3/5/2024</a:t>
+              <a:t>3/6/2024</a:t>
             </a:fld>
             <a:endParaRPr lang="en-US"/>
           </a:p>
@@ -3942,7 +3995,7 @@
           <a:p>
             <a:fld id="{0560A9CD-0304-4E0B-9E82-E7E0115DE05B}" type="datetimeFigureOut">
               <a:rPr lang="en-US" smtClean="0"/>
-              <a:t>3/5/2024</a:t>
+              <a:t>3/6/2024</a:t>
             </a:fld>
             <a:endParaRPr lang="en-US"/>
           </a:p>
@@ -4217,7 +4270,7 @@
           <a:p>
             <a:fld id="{0560A9CD-0304-4E0B-9E82-E7E0115DE05B}" type="datetimeFigureOut">
               <a:rPr lang="en-US" smtClean="0"/>
-              <a:t>3/5/2024</a:t>
+              <a:t>3/6/2024</a:t>
             </a:fld>
             <a:endParaRPr lang="en-US"/>
           </a:p>
@@ -4469,7 +4522,7 @@
           <a:p>
             <a:fld id="{0560A9CD-0304-4E0B-9E82-E7E0115DE05B}" type="datetimeFigureOut">
               <a:rPr lang="en-US" smtClean="0"/>
-              <a:t>3/5/2024</a:t>
+              <a:t>3/6/2024</a:t>
             </a:fld>
             <a:endParaRPr lang="en-US"/>
           </a:p>
@@ -4680,7 +4733,7 @@
           <a:p>
             <a:fld id="{0560A9CD-0304-4E0B-9E82-E7E0115DE05B}" type="datetimeFigureOut">
               <a:rPr lang="en-US" smtClean="0"/>
-              <a:t>3/5/2024</a:t>
+              <a:t>3/6/2024</a:t>
             </a:fld>
             <a:endParaRPr lang="en-US"/>
           </a:p>
@@ -6383,7 +6436,7 @@
           <p:nvPr>
             <p:extLst>
               <p:ext uri="{D42A27DB-BD31-4B8C-83A1-F6EECF244321}">
-                <p14:modId xmlns:p14="http://schemas.microsoft.com/office/powerpoint/2010/main" val="3526660641"/>
+                <p14:modId xmlns:p14="http://schemas.microsoft.com/office/powerpoint/2010/main" val="459529938"/>
               </p:ext>
             </p:extLst>
           </p:nvPr>
@@ -6511,12 +6564,16 @@
                         <a:buChar char="&gt;"/>
                       </a:pPr>
                       <a:r>
-                        <a:rPr lang="en-US" sz="1800" b="1" baseline="0" dirty="0">
-                          <a:latin typeface="Courier New" panose="02070309020205020404" pitchFamily="49" charset="0"/>
-                          <a:cs typeface="Courier New" panose="02070309020205020404" pitchFamily="49" charset="0"/>
-                        </a:rPr>
-                        <a:t>class A():</a:t>
-                      </a:r>
+                        <a:rPr lang="en-US" sz="1800" b="1" baseline="0">
+                          <a:latin typeface="Courier New" panose="02070309020205020404" pitchFamily="49" charset="0"/>
+                          <a:cs typeface="Courier New" panose="02070309020205020404" pitchFamily="49" charset="0"/>
+                        </a:rPr>
+                        <a:t>class A:</a:t>
+                      </a:r>
+                      <a:endParaRPr lang="en-US" sz="1800" b="1" baseline="0" dirty="0">
+                        <a:latin typeface="Courier New" panose="02070309020205020404" pitchFamily="49" charset="0"/>
+                        <a:cs typeface="Courier New" panose="02070309020205020404" pitchFamily="49" charset="0"/>
+                      </a:endParaRPr>
                     </a:p>
                     <a:p>
                       <a:pPr marL="0" indent="0">
@@ -7064,7 +7121,7 @@
           <p:nvPr>
             <p:extLst>
               <p:ext uri="{D42A27DB-BD31-4B8C-83A1-F6EECF244321}">
-                <p14:modId xmlns:p14="http://schemas.microsoft.com/office/powerpoint/2010/main" val="4197862015"/>
+                <p14:modId xmlns:p14="http://schemas.microsoft.com/office/powerpoint/2010/main" val="2908418581"/>
               </p:ext>
             </p:extLst>
           </p:nvPr>
@@ -7208,7 +7265,7 @@
                           <a:latin typeface="Courier New" panose="02070309020205020404" pitchFamily="49" charset="0"/>
                           <a:cs typeface="Courier New" panose="02070309020205020404" pitchFamily="49" charset="0"/>
                         </a:rPr>
-                        <a:t>A():</a:t>
+                        <a:t>A:</a:t>
                       </a:r>
                     </a:p>
                     <a:p>
@@ -7776,7 +7833,7 @@
           <p:nvPr>
             <p:extLst>
               <p:ext uri="{D42A27DB-BD31-4B8C-83A1-F6EECF244321}">
-                <p14:modId xmlns:p14="http://schemas.microsoft.com/office/powerpoint/2010/main" val="3218792715"/>
+                <p14:modId xmlns:p14="http://schemas.microsoft.com/office/powerpoint/2010/main" val="4182478045"/>
               </p:ext>
             </p:extLst>
           </p:nvPr>
@@ -7920,7 +7977,7 @@
                           <a:latin typeface="Courier New" panose="02070309020205020404" pitchFamily="49" charset="0"/>
                           <a:cs typeface="Courier New" panose="02070309020205020404" pitchFamily="49" charset="0"/>
                         </a:rPr>
-                        <a:t>A():</a:t>
+                        <a:t>A:</a:t>
                       </a:r>
                     </a:p>
                     <a:p>
@@ -9148,7 +9205,7 @@
           <p:nvPr>
             <p:extLst>
               <p:ext uri="{D42A27DB-BD31-4B8C-83A1-F6EECF244321}">
-                <p14:modId xmlns:p14="http://schemas.microsoft.com/office/powerpoint/2010/main" val="3322519291"/>
+                <p14:modId xmlns:p14="http://schemas.microsoft.com/office/powerpoint/2010/main" val="2250799641"/>
               </p:ext>
             </p:extLst>
           </p:nvPr>
@@ -9280,7 +9337,7 @@
                           <a:latin typeface="Courier New" panose="02070309020205020404" pitchFamily="49" charset="0"/>
                           <a:cs typeface="Courier New" panose="02070309020205020404" pitchFamily="49" charset="0"/>
                         </a:rPr>
-                        <a:t>class A():</a:t>
+                        <a:t>class A:</a:t>
                       </a:r>
                     </a:p>
                     <a:p>

--- a/ipsa/slides/hierarchies.pptx
+++ b/ipsa/slides/hierarchies.pptx
@@ -138,13 +138,90 @@
 <file path=ppt/revisionInfo.xml><?xml version="1.0" encoding="utf-8"?>
 <p1510:revInfo xmlns:a="http://schemas.openxmlformats.org/drawingml/2006/main" xmlns:r="http://schemas.openxmlformats.org/officeDocument/2006/relationships" xmlns:p1510="http://schemas.microsoft.com/office/powerpoint/2015/10/main">
   <p1510:revLst>
-    <p1510:client id="{5C45074F-52FB-4CB5-A1FE-0CDA278A1BE3}" v="3" dt="2024-03-05T21:42:14.284"/>
+    <p1510:client id="{836BD003-F4D6-40D0-ACDF-55EBE37D2209}" v="3" dt="2025-03-05T07:44:29.677"/>
   </p1510:revLst>
 </p1510:revInfo>
 </file>
 
 <file path=ppt/changesInfos/changesInfo1.xml><?xml version="1.0" encoding="utf-8"?>
 <pc:chgInfo xmlns:a="http://schemas.openxmlformats.org/drawingml/2006/main" xmlns:r="http://schemas.openxmlformats.org/officeDocument/2006/relationships" xmlns:ac="http://schemas.microsoft.com/office/drawing/2013/main/command" xmlns:pc="http://schemas.microsoft.com/office/powerpoint/2013/main/command">
+  <pc:docChgLst>
+    <pc:chgData name="Gerth Stølting Brodal" userId="04ef4784-6591-4f86-a140-f5c3b108582a" providerId="ADAL" clId="{836BD003-F4D6-40D0-ACDF-55EBE37D2209}"/>
+    <pc:docChg chg="undo custSel modSld">
+      <pc:chgData name="Gerth Stølting Brodal" userId="04ef4784-6591-4f86-a140-f5c3b108582a" providerId="ADAL" clId="{836BD003-F4D6-40D0-ACDF-55EBE37D2209}" dt="2025-03-05T08:05:36.984" v="458" actId="20577"/>
+      <pc:docMkLst>
+        <pc:docMk/>
+      </pc:docMkLst>
+      <pc:sldChg chg="addSp modSp mod">
+        <pc:chgData name="Gerth Stølting Brodal" userId="04ef4784-6591-4f86-a140-f5c3b108582a" providerId="ADAL" clId="{836BD003-F4D6-40D0-ACDF-55EBE37D2209}" dt="2025-03-05T07:45:12.139" v="309" actId="20577"/>
+        <pc:sldMkLst>
+          <pc:docMk/>
+          <pc:sldMk cId="2256920451" sldId="677"/>
+        </pc:sldMkLst>
+        <pc:graphicFrameChg chg="add mod modGraphic">
+          <ac:chgData name="Gerth Stølting Brodal" userId="04ef4784-6591-4f86-a140-f5c3b108582a" providerId="ADAL" clId="{836BD003-F4D6-40D0-ACDF-55EBE37D2209}" dt="2025-03-05T07:44:53.887" v="306" actId="1076"/>
+          <ac:graphicFrameMkLst>
+            <pc:docMk/>
+            <pc:sldMk cId="2256920451" sldId="677"/>
+            <ac:graphicFrameMk id="3" creationId="{D6D534D7-5E3E-1FE6-6F11-36B3D6F84712}"/>
+          </ac:graphicFrameMkLst>
+        </pc:graphicFrameChg>
+        <pc:graphicFrameChg chg="add mod modGraphic">
+          <ac:chgData name="Gerth Stølting Brodal" userId="04ef4784-6591-4f86-a140-f5c3b108582a" providerId="ADAL" clId="{836BD003-F4D6-40D0-ACDF-55EBE37D2209}" dt="2025-03-05T07:45:12.139" v="309" actId="20577"/>
+          <ac:graphicFrameMkLst>
+            <pc:docMk/>
+            <pc:sldMk cId="2256920451" sldId="677"/>
+            <ac:graphicFrameMk id="7" creationId="{FEF4743D-B782-E89B-A7DB-FDB1BE9D5A37}"/>
+          </ac:graphicFrameMkLst>
+        </pc:graphicFrameChg>
+        <pc:cxnChg chg="add mod">
+          <ac:chgData name="Gerth Stølting Brodal" userId="04ef4784-6591-4f86-a140-f5c3b108582a" providerId="ADAL" clId="{836BD003-F4D6-40D0-ACDF-55EBE37D2209}" dt="2025-03-05T07:44:53.887" v="306" actId="1076"/>
+          <ac:cxnSpMkLst>
+            <pc:docMk/>
+            <pc:sldMk cId="2256920451" sldId="677"/>
+            <ac:cxnSpMk id="6" creationId="{167B8B5A-7DC7-557B-2819-8DE46A448F3C}"/>
+          </ac:cxnSpMkLst>
+        </pc:cxnChg>
+      </pc:sldChg>
+      <pc:sldChg chg="modSp mod">
+        <pc:chgData name="Gerth Stølting Brodal" userId="04ef4784-6591-4f86-a140-f5c3b108582a" providerId="ADAL" clId="{836BD003-F4D6-40D0-ACDF-55EBE37D2209}" dt="2025-03-05T08:01:35.596" v="375" actId="20577"/>
+        <pc:sldMkLst>
+          <pc:docMk/>
+          <pc:sldMk cId="1203910268" sldId="684"/>
+        </pc:sldMkLst>
+        <pc:spChg chg="mod">
+          <ac:chgData name="Gerth Stølting Brodal" userId="04ef4784-6591-4f86-a140-f5c3b108582a" providerId="ADAL" clId="{836BD003-F4D6-40D0-ACDF-55EBE37D2209}" dt="2025-03-05T08:01:35.596" v="375" actId="20577"/>
+          <ac:spMkLst>
+            <pc:docMk/>
+            <pc:sldMk cId="1203910268" sldId="684"/>
+            <ac:spMk id="3" creationId="{00000000-0000-0000-0000-000000000000}"/>
+          </ac:spMkLst>
+        </pc:spChg>
+      </pc:sldChg>
+      <pc:sldChg chg="modNotesTx">
+        <pc:chgData name="Gerth Stølting Brodal" userId="04ef4784-6591-4f86-a140-f5c3b108582a" providerId="ADAL" clId="{836BD003-F4D6-40D0-ACDF-55EBE37D2209}" dt="2025-03-05T07:33:57.049" v="275" actId="20577"/>
+        <pc:sldMkLst>
+          <pc:docMk/>
+          <pc:sldMk cId="3207864458" sldId="694"/>
+        </pc:sldMkLst>
+      </pc:sldChg>
+      <pc:sldChg chg="modSp mod modNotesTx">
+        <pc:chgData name="Gerth Stølting Brodal" userId="04ef4784-6591-4f86-a140-f5c3b108582a" providerId="ADAL" clId="{836BD003-F4D6-40D0-ACDF-55EBE37D2209}" dt="2025-03-05T08:05:36.984" v="458" actId="20577"/>
+        <pc:sldMkLst>
+          <pc:docMk/>
+          <pc:sldMk cId="776451279" sldId="698"/>
+        </pc:sldMkLst>
+        <pc:spChg chg="mod">
+          <ac:chgData name="Gerth Stølting Brodal" userId="04ef4784-6591-4f86-a140-f5c3b108582a" providerId="ADAL" clId="{836BD003-F4D6-40D0-ACDF-55EBE37D2209}" dt="2025-03-05T08:03:27.062" v="376" actId="948"/>
+          <ac:spMkLst>
+            <pc:docMk/>
+            <pc:sldMk cId="776451279" sldId="698"/>
+            <ac:spMk id="3" creationId="{00000000-0000-0000-0000-000000000000}"/>
+          </ac:spMkLst>
+        </pc:spChg>
+      </pc:sldChg>
+    </pc:docChg>
+  </pc:docChgLst>
   <pc:docChgLst>
     <pc:chgData name="Gerth Stølting Brodal" userId="04ef4784-6591-4f86-a140-f5c3b108582a" providerId="ADAL" clId="{DE3418AB-9059-4C6E-90D8-80D2535879EB}"/>
     <pc:docChg chg="undo custSel addSld modSld sldOrd">
@@ -158,14 +235,6 @@
           <pc:docMk/>
           <pc:sldMk cId="3312054074" sldId="621"/>
         </pc:sldMkLst>
-        <pc:spChg chg="mod">
-          <ac:chgData name="Gerth Stølting Brodal" userId="04ef4784-6591-4f86-a140-f5c3b108582a" providerId="ADAL" clId="{DE3418AB-9059-4C6E-90D8-80D2535879EB}" dt="2023-03-10T14:58:42.699" v="718" actId="20577"/>
-          <ac:spMkLst>
-            <pc:docMk/>
-            <pc:sldMk cId="3312054074" sldId="621"/>
-            <ac:spMk id="3" creationId="{00000000-0000-0000-0000-000000000000}"/>
-          </ac:spMkLst>
-        </pc:spChg>
       </pc:sldChg>
       <pc:sldChg chg="modNotesTx">
         <pc:chgData name="Gerth Stølting Brodal" userId="04ef4784-6591-4f86-a140-f5c3b108582a" providerId="ADAL" clId="{DE3418AB-9059-4C6E-90D8-80D2535879EB}" dt="2023-03-08T11:58:26.248" v="85" actId="20577"/>
@@ -180,62 +249,6 @@
           <pc:docMk/>
           <pc:sldMk cId="923762653" sldId="701"/>
         </pc:sldMkLst>
-        <pc:spChg chg="mod">
-          <ac:chgData name="Gerth Stølting Brodal" userId="04ef4784-6591-4f86-a140-f5c3b108582a" providerId="ADAL" clId="{DE3418AB-9059-4C6E-90D8-80D2535879EB}" dt="2023-03-10T14:48:13.596" v="598" actId="20577"/>
-          <ac:spMkLst>
-            <pc:docMk/>
-            <pc:sldMk cId="923762653" sldId="701"/>
-            <ac:spMk id="2" creationId="{4A5645FE-B263-6B12-9647-79B1518D104E}"/>
-          </ac:spMkLst>
-        </pc:spChg>
-        <pc:spChg chg="del">
-          <ac:chgData name="Gerth Stølting Brodal" userId="04ef4784-6591-4f86-a140-f5c3b108582a" providerId="ADAL" clId="{DE3418AB-9059-4C6E-90D8-80D2535879EB}" dt="2023-03-10T14:23:55.900" v="210" actId="478"/>
-          <ac:spMkLst>
-            <pc:docMk/>
-            <pc:sldMk cId="923762653" sldId="701"/>
-            <ac:spMk id="3" creationId="{1C357E78-EBAA-301D-C9DC-604A8AF04614}"/>
-          </ac:spMkLst>
-        </pc:spChg>
-        <pc:spChg chg="add del">
-          <ac:chgData name="Gerth Stølting Brodal" userId="04ef4784-6591-4f86-a140-f5c3b108582a" providerId="ADAL" clId="{DE3418AB-9059-4C6E-90D8-80D2535879EB}" dt="2023-03-10T14:46:54.256" v="576" actId="478"/>
-          <ac:spMkLst>
-            <pc:docMk/>
-            <pc:sldMk cId="923762653" sldId="701"/>
-            <ac:spMk id="5" creationId="{268595DB-3C0B-FC35-B6B7-37563741E712}"/>
-          </ac:spMkLst>
-        </pc:spChg>
-        <pc:spChg chg="add mod">
-          <ac:chgData name="Gerth Stølting Brodal" userId="04ef4784-6591-4f86-a140-f5c3b108582a" providerId="ADAL" clId="{DE3418AB-9059-4C6E-90D8-80D2535879EB}" dt="2023-03-10T16:26:13.367" v="738" actId="14100"/>
-          <ac:spMkLst>
-            <pc:docMk/>
-            <pc:sldMk cId="923762653" sldId="701"/>
-            <ac:spMk id="9" creationId="{31B27B3B-62B7-98FC-F209-5EBE9B81FAF6}"/>
-          </ac:spMkLst>
-        </pc:spChg>
-        <pc:graphicFrameChg chg="add mod ord modGraphic">
-          <ac:chgData name="Gerth Stølting Brodal" userId="04ef4784-6591-4f86-a140-f5c3b108582a" providerId="ADAL" clId="{DE3418AB-9059-4C6E-90D8-80D2535879EB}" dt="2023-03-10T14:48:33.456" v="614" actId="1035"/>
-          <ac:graphicFrameMkLst>
-            <pc:docMk/>
-            <pc:sldMk cId="923762653" sldId="701"/>
-            <ac:graphicFrameMk id="6" creationId="{4B2DEBA8-48BF-76BA-9C6B-7F6C2D260592}"/>
-          </ac:graphicFrameMkLst>
-        </pc:graphicFrameChg>
-        <pc:picChg chg="add mod">
-          <ac:chgData name="Gerth Stølting Brodal" userId="04ef4784-6591-4f86-a140-f5c3b108582a" providerId="ADAL" clId="{DE3418AB-9059-4C6E-90D8-80D2535879EB}" dt="2023-03-10T14:48:33.456" v="614" actId="1035"/>
-          <ac:picMkLst>
-            <pc:docMk/>
-            <pc:sldMk cId="923762653" sldId="701"/>
-            <ac:picMk id="7" creationId="{29D07E36-6B6C-6001-70A2-41F4505A4C3D}"/>
-          </ac:picMkLst>
-        </pc:picChg>
-        <pc:cxnChg chg="add mod">
-          <ac:chgData name="Gerth Stølting Brodal" userId="04ef4784-6591-4f86-a140-f5c3b108582a" providerId="ADAL" clId="{DE3418AB-9059-4C6E-90D8-80D2535879EB}" dt="2023-03-10T14:48:33.456" v="614" actId="1035"/>
-          <ac:cxnSpMkLst>
-            <pc:docMk/>
-            <pc:sldMk cId="923762653" sldId="701"/>
-            <ac:cxnSpMk id="8" creationId="{D2A93F9E-AED5-ACA8-C8B2-7566EE841E45}"/>
-          </ac:cxnSpMkLst>
-        </pc:cxnChg>
       </pc:sldChg>
     </pc:docChg>
   </pc:docChgLst>
@@ -252,14 +265,6 @@
           <pc:docMk/>
           <pc:sldMk cId="3312054074" sldId="621"/>
         </pc:sldMkLst>
-        <pc:spChg chg="mod">
-          <ac:chgData name="Gerth Stølting Brodal" userId="04ef4784-6591-4f86-a140-f5c3b108582a" providerId="ADAL" clId="{F848DA92-1780-41FB-BBF3-EA4DE6E90679}" dt="2022-03-09T12:47:04.374" v="23" actId="6549"/>
-          <ac:spMkLst>
-            <pc:docMk/>
-            <pc:sldMk cId="3312054074" sldId="621"/>
-            <ac:spMk id="3" creationId="{00000000-0000-0000-0000-000000000000}"/>
-          </ac:spMkLst>
-        </pc:spChg>
       </pc:sldChg>
       <pc:sldChg chg="modAnim">
         <pc:chgData name="Gerth Stølting Brodal" userId="04ef4784-6591-4f86-a140-f5c3b108582a" providerId="ADAL" clId="{F848DA92-1780-41FB-BBF3-EA4DE6E90679}" dt="2022-03-09T12:26:33.036" v="0"/>
@@ -274,30 +279,6 @@
           <pc:docMk/>
           <pc:sldMk cId="3318931638" sldId="688"/>
         </pc:sldMkLst>
-        <pc:grpChg chg="mod">
-          <ac:chgData name="Gerth Stølting Brodal" userId="04ef4784-6591-4f86-a140-f5c3b108582a" providerId="ADAL" clId="{F848DA92-1780-41FB-BBF3-EA4DE6E90679}" dt="2022-03-09T12:29:19.041" v="6" actId="1038"/>
-          <ac:grpSpMkLst>
-            <pc:docMk/>
-            <pc:sldMk cId="3318931638" sldId="688"/>
-            <ac:grpSpMk id="7" creationId="{00000000-0000-0000-0000-000000000000}"/>
-          </ac:grpSpMkLst>
-        </pc:grpChg>
-        <pc:graphicFrameChg chg="mod">
-          <ac:chgData name="Gerth Stølting Brodal" userId="04ef4784-6591-4f86-a140-f5c3b108582a" providerId="ADAL" clId="{F848DA92-1780-41FB-BBF3-EA4DE6E90679}" dt="2022-03-09T12:29:19.041" v="6" actId="1038"/>
-          <ac:graphicFrameMkLst>
-            <pc:docMk/>
-            <pc:sldMk cId="3318931638" sldId="688"/>
-            <ac:graphicFrameMk id="4" creationId="{00000000-0000-0000-0000-000000000000}"/>
-          </ac:graphicFrameMkLst>
-        </pc:graphicFrameChg>
-        <pc:graphicFrameChg chg="mod">
-          <ac:chgData name="Gerth Stølting Brodal" userId="04ef4784-6591-4f86-a140-f5c3b108582a" providerId="ADAL" clId="{F848DA92-1780-41FB-BBF3-EA4DE6E90679}" dt="2022-03-09T12:29:10.829" v="5" actId="1038"/>
-          <ac:graphicFrameMkLst>
-            <pc:docMk/>
-            <pc:sldMk cId="3318931638" sldId="688"/>
-            <ac:graphicFrameMk id="13" creationId="{00000000-0000-0000-0000-000000000000}"/>
-          </ac:graphicFrameMkLst>
-        </pc:graphicFrameChg>
       </pc:sldChg>
       <pc:sldChg chg="modSp mod">
         <pc:chgData name="Gerth Stølting Brodal" userId="04ef4784-6591-4f86-a140-f5c3b108582a" providerId="ADAL" clId="{F848DA92-1780-41FB-BBF3-EA4DE6E90679}" dt="2022-03-09T12:30:20.974" v="12" actId="1037"/>
@@ -305,30 +286,6 @@
           <pc:docMk/>
           <pc:sldMk cId="1327406697" sldId="689"/>
         </pc:sldMkLst>
-        <pc:grpChg chg="mod">
-          <ac:chgData name="Gerth Stølting Brodal" userId="04ef4784-6591-4f86-a140-f5c3b108582a" providerId="ADAL" clId="{F848DA92-1780-41FB-BBF3-EA4DE6E90679}" dt="2022-03-09T12:30:20.974" v="12" actId="1037"/>
-          <ac:grpSpMkLst>
-            <pc:docMk/>
-            <pc:sldMk cId="1327406697" sldId="689"/>
-            <ac:grpSpMk id="7" creationId="{00000000-0000-0000-0000-000000000000}"/>
-          </ac:grpSpMkLst>
-        </pc:grpChg>
-        <pc:graphicFrameChg chg="mod">
-          <ac:chgData name="Gerth Stølting Brodal" userId="04ef4784-6591-4f86-a140-f5c3b108582a" providerId="ADAL" clId="{F848DA92-1780-41FB-BBF3-EA4DE6E90679}" dt="2022-03-09T12:30:20.974" v="12" actId="1037"/>
-          <ac:graphicFrameMkLst>
-            <pc:docMk/>
-            <pc:sldMk cId="1327406697" sldId="689"/>
-            <ac:graphicFrameMk id="4" creationId="{00000000-0000-0000-0000-000000000000}"/>
-          </ac:graphicFrameMkLst>
-        </pc:graphicFrameChg>
-        <pc:graphicFrameChg chg="mod">
-          <ac:chgData name="Gerth Stølting Brodal" userId="04ef4784-6591-4f86-a140-f5c3b108582a" providerId="ADAL" clId="{F848DA92-1780-41FB-BBF3-EA4DE6E90679}" dt="2022-03-09T12:30:20.974" v="12" actId="1037"/>
-          <ac:graphicFrameMkLst>
-            <pc:docMk/>
-            <pc:sldMk cId="1327406697" sldId="689"/>
-            <ac:graphicFrameMk id="13" creationId="{00000000-0000-0000-0000-000000000000}"/>
-          </ac:graphicFrameMkLst>
-        </pc:graphicFrameChg>
       </pc:sldChg>
       <pc:sldChg chg="modSp mod">
         <pc:chgData name="Gerth Stølting Brodal" userId="04ef4784-6591-4f86-a140-f5c3b108582a" providerId="ADAL" clId="{F848DA92-1780-41FB-BBF3-EA4DE6E90679}" dt="2022-03-09T12:32:01.935" v="22" actId="1038"/>
@@ -336,30 +293,6 @@
           <pc:docMk/>
           <pc:sldMk cId="4066017642" sldId="690"/>
         </pc:sldMkLst>
-        <pc:grpChg chg="mod">
-          <ac:chgData name="Gerth Stølting Brodal" userId="04ef4784-6591-4f86-a140-f5c3b108582a" providerId="ADAL" clId="{F848DA92-1780-41FB-BBF3-EA4DE6E90679}" dt="2022-03-09T12:32:01.935" v="22" actId="1038"/>
-          <ac:grpSpMkLst>
-            <pc:docMk/>
-            <pc:sldMk cId="4066017642" sldId="690"/>
-            <ac:grpSpMk id="7" creationId="{00000000-0000-0000-0000-000000000000}"/>
-          </ac:grpSpMkLst>
-        </pc:grpChg>
-        <pc:graphicFrameChg chg="mod">
-          <ac:chgData name="Gerth Stølting Brodal" userId="04ef4784-6591-4f86-a140-f5c3b108582a" providerId="ADAL" clId="{F848DA92-1780-41FB-BBF3-EA4DE6E90679}" dt="2022-03-09T12:32:01.935" v="22" actId="1038"/>
-          <ac:graphicFrameMkLst>
-            <pc:docMk/>
-            <pc:sldMk cId="4066017642" sldId="690"/>
-            <ac:graphicFrameMk id="4" creationId="{00000000-0000-0000-0000-000000000000}"/>
-          </ac:graphicFrameMkLst>
-        </pc:graphicFrameChg>
-        <pc:graphicFrameChg chg="mod">
-          <ac:chgData name="Gerth Stølting Brodal" userId="04ef4784-6591-4f86-a140-f5c3b108582a" providerId="ADAL" clId="{F848DA92-1780-41FB-BBF3-EA4DE6E90679}" dt="2022-03-09T12:32:01.935" v="22" actId="1038"/>
-          <ac:graphicFrameMkLst>
-            <pc:docMk/>
-            <pc:sldMk cId="4066017642" sldId="690"/>
-            <ac:graphicFrameMk id="13" creationId="{00000000-0000-0000-0000-000000000000}"/>
-          </ac:graphicFrameMkLst>
-        </pc:graphicFrameChg>
       </pc:sldChg>
     </pc:docChg>
   </pc:docChgLst>
@@ -425,14 +358,6 @@
           <pc:docMk/>
           <pc:sldMk cId="1983749371" sldId="696"/>
         </pc:sldMkLst>
-        <pc:spChg chg="add mod">
-          <ac:chgData name="Gerth Stølting Brodal" userId="04ef4784-6591-4f86-a140-f5c3b108582a" providerId="ADAL" clId="{5F9096D5-8448-4E22-A927-53B533FA3B01}" dt="2021-03-09T11:02:21.005" v="67" actId="20577"/>
-          <ac:spMkLst>
-            <pc:docMk/>
-            <pc:sldMk cId="1983749371" sldId="696"/>
-            <ac:spMk id="6" creationId="{FEE6BC6B-68CC-437E-BFBA-9B24D826FAF6}"/>
-          </ac:spMkLst>
-        </pc:spChg>
       </pc:sldChg>
       <pc:sldChg chg="modNotesTx">
         <pc:chgData name="Gerth Stølting Brodal" userId="04ef4784-6591-4f86-a140-f5c3b108582a" providerId="ADAL" clId="{5F9096D5-8448-4E22-A927-53B533FA3B01}" dt="2021-03-09T10:54:40.756" v="50" actId="20577"/>
@@ -456,14 +381,6 @@
           <pc:docMk/>
           <pc:sldMk cId="2915881254" sldId="676"/>
         </pc:sldMkLst>
-        <pc:graphicFrameChg chg="mod modGraphic">
-          <ac:chgData name="Gerth Stølting Brodal" userId="04ef4784-6591-4f86-a140-f5c3b108582a" providerId="ADAL" clId="{5C45074F-52FB-4CB5-A1FE-0CDA278A1BE3}" dt="2024-03-05T21:42:44.181" v="18" actId="1076"/>
-          <ac:graphicFrameMkLst>
-            <pc:docMk/>
-            <pc:sldMk cId="2915881254" sldId="676"/>
-            <ac:graphicFrameMk id="4" creationId="{00000000-0000-0000-0000-000000000000}"/>
-          </ac:graphicFrameMkLst>
-        </pc:graphicFrameChg>
       </pc:sldChg>
       <pc:sldChg chg="modSp mod">
         <pc:chgData name="Gerth Stølting Brodal" userId="04ef4784-6591-4f86-a140-f5c3b108582a" providerId="ADAL" clId="{5C45074F-52FB-4CB5-A1FE-0CDA278A1BE3}" dt="2024-03-05T21:45:37.897" v="26" actId="20577"/>
@@ -471,14 +388,6 @@
           <pc:docMk/>
           <pc:sldMk cId="2256920451" sldId="677"/>
         </pc:sldMkLst>
-        <pc:graphicFrameChg chg="modGraphic">
-          <ac:chgData name="Gerth Stølting Brodal" userId="04ef4784-6591-4f86-a140-f5c3b108582a" providerId="ADAL" clId="{5C45074F-52FB-4CB5-A1FE-0CDA278A1BE3}" dt="2024-03-05T21:45:37.897" v="26" actId="20577"/>
-          <ac:graphicFrameMkLst>
-            <pc:docMk/>
-            <pc:sldMk cId="2256920451" sldId="677"/>
-            <ac:graphicFrameMk id="5" creationId="{00000000-0000-0000-0000-000000000000}"/>
-          </ac:graphicFrameMkLst>
-        </pc:graphicFrameChg>
       </pc:sldChg>
       <pc:sldChg chg="modSp mod">
         <pc:chgData name="Gerth Stølting Brodal" userId="04ef4784-6591-4f86-a140-f5c3b108582a" providerId="ADAL" clId="{5C45074F-52FB-4CB5-A1FE-0CDA278A1BE3}" dt="2024-03-06T18:35:49.275" v="40" actId="20577"/>
@@ -486,14 +395,6 @@
           <pc:docMk/>
           <pc:sldMk cId="3232688819" sldId="692"/>
         </pc:sldMkLst>
-        <pc:graphicFrameChg chg="modGraphic">
-          <ac:chgData name="Gerth Stølting Brodal" userId="04ef4784-6591-4f86-a140-f5c3b108582a" providerId="ADAL" clId="{5C45074F-52FB-4CB5-A1FE-0CDA278A1BE3}" dt="2024-03-06T18:35:49.275" v="40" actId="20577"/>
-          <ac:graphicFrameMkLst>
-            <pc:docMk/>
-            <pc:sldMk cId="3232688819" sldId="692"/>
-            <ac:graphicFrameMk id="6" creationId="{00000000-0000-0000-0000-000000000000}"/>
-          </ac:graphicFrameMkLst>
-        </pc:graphicFrameChg>
       </pc:sldChg>
       <pc:sldChg chg="modSp mod">
         <pc:chgData name="Gerth Stølting Brodal" userId="04ef4784-6591-4f86-a140-f5c3b108582a" providerId="ADAL" clId="{5C45074F-52FB-4CB5-A1FE-0CDA278A1BE3}" dt="2024-03-06T18:35:18.536" v="36" actId="20577"/>
@@ -501,14 +402,6 @@
           <pc:docMk/>
           <pc:sldMk cId="3111229943" sldId="693"/>
         </pc:sldMkLst>
-        <pc:graphicFrameChg chg="modGraphic">
-          <ac:chgData name="Gerth Stølting Brodal" userId="04ef4784-6591-4f86-a140-f5c3b108582a" providerId="ADAL" clId="{5C45074F-52FB-4CB5-A1FE-0CDA278A1BE3}" dt="2024-03-06T18:35:18.536" v="36" actId="20577"/>
-          <ac:graphicFrameMkLst>
-            <pc:docMk/>
-            <pc:sldMk cId="3111229943" sldId="693"/>
-            <ac:graphicFrameMk id="4" creationId="{00000000-0000-0000-0000-000000000000}"/>
-          </ac:graphicFrameMkLst>
-        </pc:graphicFrameChg>
       </pc:sldChg>
       <pc:sldChg chg="modSp mod">
         <pc:chgData name="Gerth Stølting Brodal" userId="04ef4784-6591-4f86-a140-f5c3b108582a" providerId="ADAL" clId="{5C45074F-52FB-4CB5-A1FE-0CDA278A1BE3}" dt="2024-03-05T22:04:22.324" v="32" actId="6549"/>
@@ -516,14 +409,6 @@
           <pc:docMk/>
           <pc:sldMk cId="3840876851" sldId="699"/>
         </pc:sldMkLst>
-        <pc:graphicFrameChg chg="modGraphic">
-          <ac:chgData name="Gerth Stølting Brodal" userId="04ef4784-6591-4f86-a140-f5c3b108582a" providerId="ADAL" clId="{5C45074F-52FB-4CB5-A1FE-0CDA278A1BE3}" dt="2024-03-05T22:04:22.324" v="32" actId="6549"/>
-          <ac:graphicFrameMkLst>
-            <pc:docMk/>
-            <pc:sldMk cId="3840876851" sldId="699"/>
-            <ac:graphicFrameMk id="5" creationId="{00000000-0000-0000-0000-000000000000}"/>
-          </ac:graphicFrameMkLst>
-        </pc:graphicFrameChg>
       </pc:sldChg>
       <pc:sldChg chg="modSp mod">
         <pc:chgData name="Gerth Stølting Brodal" userId="04ef4784-6591-4f86-a140-f5c3b108582a" providerId="ADAL" clId="{5C45074F-52FB-4CB5-A1FE-0CDA278A1BE3}" dt="2024-03-06T18:35:39.096" v="38" actId="20577"/>
@@ -531,22 +416,6 @@
           <pc:docMk/>
           <pc:sldMk cId="4082157600" sldId="700"/>
         </pc:sldMkLst>
-        <pc:graphicFrameChg chg="modGraphic">
-          <ac:chgData name="Gerth Stølting Brodal" userId="04ef4784-6591-4f86-a140-f5c3b108582a" providerId="ADAL" clId="{5C45074F-52FB-4CB5-A1FE-0CDA278A1BE3}" dt="2024-03-06T18:35:39.096" v="38" actId="20577"/>
-          <ac:graphicFrameMkLst>
-            <pc:docMk/>
-            <pc:sldMk cId="4082157600" sldId="700"/>
-            <ac:graphicFrameMk id="7" creationId="{00000000-0000-0000-0000-000000000000}"/>
-          </ac:graphicFrameMkLst>
-        </pc:graphicFrameChg>
-        <pc:graphicFrameChg chg="modGraphic">
-          <ac:chgData name="Gerth Stølting Brodal" userId="04ef4784-6591-4f86-a140-f5c3b108582a" providerId="ADAL" clId="{5C45074F-52FB-4CB5-A1FE-0CDA278A1BE3}" dt="2024-03-06T18:35:09.878" v="34" actId="20577"/>
-          <ac:graphicFrameMkLst>
-            <pc:docMk/>
-            <pc:sldMk cId="4082157600" sldId="700"/>
-            <ac:graphicFrameMk id="8" creationId="{00000000-0000-0000-0000-000000000000}"/>
-          </ac:graphicFrameMkLst>
-        </pc:graphicFrameChg>
       </pc:sldChg>
     </pc:docChg>
   </pc:docChgLst>
@@ -635,7 +504,7 @@
           <a:p>
             <a:fld id="{FB1A172F-81D4-4DC4-9113-1DBD56EC3646}" type="datetimeFigureOut">
               <a:rPr lang="en-US" smtClean="0"/>
-              <a:t>3/6/2024</a:t>
+              <a:t>3/5/2025</a:t>
             </a:fld>
             <a:endParaRPr lang="en-US"/>
           </a:p>
@@ -1396,6 +1265,110 @@
 </file>
 
 <file path=ppt/notesSlides/notesSlide14.xml><?xml version="1.0" encoding="utf-8"?>
+<p:notes xmlns:a="http://schemas.openxmlformats.org/drawingml/2006/main" xmlns:r="http://schemas.openxmlformats.org/officeDocument/2006/relationships" xmlns:p="http://schemas.openxmlformats.org/presentationml/2006/main">
+  <p:cSld>
+    <p:spTree>
+      <p:nvGrpSpPr>
+        <p:cNvPr id="1" name=""/>
+        <p:cNvGrpSpPr/>
+        <p:nvPr/>
+      </p:nvGrpSpPr>
+      <p:grpSpPr>
+        <a:xfrm>
+          <a:off x="0" y="0"/>
+          <a:ext cx="0" cy="0"/>
+          <a:chOff x="0" y="0"/>
+          <a:chExt cx="0" cy="0"/>
+        </a:xfrm>
+      </p:grpSpPr>
+      <p:sp>
+        <p:nvSpPr>
+          <p:cNvPr id="2" name="Slide Image Placeholder 1"/>
+          <p:cNvSpPr>
+            <a:spLocks noGrp="1" noRot="1" noChangeAspect="1"/>
+          </p:cNvSpPr>
+          <p:nvPr>
+            <p:ph type="sldImg"/>
+          </p:nvPr>
+        </p:nvSpPr>
+        <p:spPr/>
+      </p:sp>
+      <p:sp>
+        <p:nvSpPr>
+          <p:cNvPr id="3" name="Notes Placeholder 2"/>
+          <p:cNvSpPr>
+            <a:spLocks noGrp="1"/>
+          </p:cNvSpPr>
+          <p:nvPr>
+            <p:ph type="body" idx="1"/>
+          </p:nvPr>
+        </p:nvSpPr>
+        <p:spPr/>
+        <p:txBody>
+          <a:bodyPr/>
+          <a:lstStyle/>
+          <a:p>
+            <a:r>
+              <a:rPr lang="da-DK" dirty="0"/>
+              <a:t>257 and 6 </a:t>
+            </a:r>
+            <a:r>
+              <a:rPr lang="da-DK" dirty="0" err="1"/>
+              <a:t>could</a:t>
+            </a:r>
+            <a:r>
+              <a:rPr lang="da-DK" dirty="0"/>
+              <a:t> </a:t>
+            </a:r>
+            <a:r>
+              <a:rPr lang="da-DK" dirty="0" err="1"/>
+              <a:t>change</a:t>
+            </a:r>
+            <a:r>
+              <a:rPr lang="da-DK" dirty="0"/>
+              <a:t> with the Python version (holds for Python 3.13)</a:t>
+            </a:r>
+            <a:endParaRPr lang="en-US" dirty="0"/>
+          </a:p>
+        </p:txBody>
+      </p:sp>
+      <p:sp>
+        <p:nvSpPr>
+          <p:cNvPr id="4" name="Slide Number Placeholder 3"/>
+          <p:cNvSpPr>
+            <a:spLocks noGrp="1"/>
+          </p:cNvSpPr>
+          <p:nvPr>
+            <p:ph type="sldNum" sz="quarter" idx="5"/>
+          </p:nvPr>
+        </p:nvSpPr>
+        <p:spPr/>
+        <p:txBody>
+          <a:bodyPr/>
+          <a:lstStyle/>
+          <a:p>
+            <a:fld id="{CD563DD8-32AB-41BE-B1C6-8EAC45222ACE}" type="slidenum">
+              <a:rPr lang="en-US" smtClean="0"/>
+              <a:t>18</a:t>
+            </a:fld>
+            <a:endParaRPr lang="en-US"/>
+          </a:p>
+        </p:txBody>
+      </p:sp>
+    </p:spTree>
+    <p:extLst>
+      <p:ext uri="{BB962C8B-B14F-4D97-AF65-F5344CB8AC3E}">
+        <p14:creationId xmlns:p14="http://schemas.microsoft.com/office/powerpoint/2010/main" val="4037594162"/>
+      </p:ext>
+    </p:extLst>
+  </p:cSld>
+  <p:clrMapOvr>
+    <a:masterClrMapping/>
+  </p:clrMapOvr>
+</p:notes>
+</file>
+
+<file path=ppt/notesSlides/notesSlide15.xml><?xml version="1.0" encoding="utf-8"?>
 <p:notes xmlns:a="http://schemas.openxmlformats.org/drawingml/2006/main" xmlns:r="http://schemas.openxmlformats.org/officeDocument/2006/relationships" xmlns:p="http://schemas.openxmlformats.org/presentationml/2006/main">
   <p:cSld>
     <p:spTree>
@@ -2155,6 +2128,182 @@
           <a:bodyPr/>
           <a:lstStyle/>
           <a:p>
+            <a:r>
+              <a:rPr lang="da-DK" dirty="0"/>
+              <a:t>Class </a:t>
+            </a:r>
+            <a:r>
+              <a:rPr lang="da-DK" dirty="0" err="1"/>
+              <a:t>object</a:t>
+            </a:r>
+            <a:r>
+              <a:rPr lang="da-DK" dirty="0"/>
+              <a:t> has </a:t>
+            </a:r>
+            <a:r>
+              <a:rPr lang="da-DK" dirty="0" err="1"/>
+              <a:t>some</a:t>
+            </a:r>
+            <a:r>
+              <a:rPr lang="da-DK" dirty="0"/>
+              <a:t> </a:t>
+            </a:r>
+            <a:r>
+              <a:rPr lang="da-DK" dirty="0" err="1"/>
+              <a:t>restrictions</a:t>
+            </a:r>
+            <a:r>
+              <a:rPr lang="da-DK" dirty="0"/>
+              <a:t>; </a:t>
+            </a:r>
+            <a:r>
+              <a:rPr lang="da-DK" dirty="0" err="1"/>
+              <a:t>e.g</a:t>
+            </a:r>
+            <a:r>
+              <a:rPr lang="da-DK" dirty="0"/>
+              <a:t>. </a:t>
+            </a:r>
+            <a:r>
+              <a:rPr lang="da-DK" dirty="0" err="1"/>
+              <a:t>cannot</a:t>
+            </a:r>
+            <a:r>
+              <a:rPr lang="da-DK" dirty="0"/>
+              <a:t> </a:t>
+            </a:r>
+            <a:r>
+              <a:rPr lang="da-DK" dirty="0" err="1"/>
+              <a:t>create</a:t>
+            </a:r>
+            <a:r>
+              <a:rPr lang="da-DK" dirty="0"/>
+              <a:t> </a:t>
+            </a:r>
+            <a:r>
+              <a:rPr lang="da-DK" dirty="0" err="1"/>
+              <a:t>attributes</a:t>
+            </a:r>
+            <a:r>
+              <a:rPr lang="da-DK" dirty="0"/>
+              <a:t> on </a:t>
+            </a:r>
+            <a:r>
+              <a:rPr lang="da-DK" dirty="0" err="1"/>
+              <a:t>objects</a:t>
+            </a:r>
+            <a:r>
+              <a:rPr lang="da-DK" dirty="0"/>
+              <a:t> of class </a:t>
+            </a:r>
+            <a:r>
+              <a:rPr lang="da-DK" dirty="0" err="1"/>
+              <a:t>object</a:t>
+            </a:r>
+            <a:r>
+              <a:rPr lang="da-DK" dirty="0"/>
+              <a:t>; </a:t>
+            </a:r>
+            <a:r>
+              <a:rPr lang="da-DK" dirty="0" err="1"/>
+              <a:t>you</a:t>
+            </a:r>
+            <a:r>
+              <a:rPr lang="da-DK" dirty="0"/>
+              <a:t> </a:t>
+            </a:r>
+            <a:r>
+              <a:rPr lang="da-DK" dirty="0" err="1"/>
+              <a:t>need</a:t>
+            </a:r>
+            <a:r>
+              <a:rPr lang="da-DK" dirty="0"/>
+              <a:t> to </a:t>
+            </a:r>
+            <a:r>
+              <a:rPr lang="da-DK" dirty="0" err="1"/>
+              <a:t>create</a:t>
+            </a:r>
+            <a:r>
+              <a:rPr lang="da-DK" dirty="0"/>
+              <a:t> a </a:t>
+            </a:r>
+            <a:r>
+              <a:rPr lang="da-DK" dirty="0" err="1"/>
+              <a:t>subclasss</a:t>
+            </a:r>
+            <a:endParaRPr lang="da-DK" dirty="0"/>
+          </a:p>
+          <a:p>
+            <a:endParaRPr lang="da-DK" dirty="0"/>
+          </a:p>
+          <a:p>
+            <a:r>
+              <a:rPr lang="da-DK" dirty="0"/>
+              <a:t>o = </a:t>
+            </a:r>
+            <a:r>
+              <a:rPr lang="da-DK" dirty="0" err="1"/>
+              <a:t>object</a:t>
+            </a:r>
+            <a:r>
+              <a:rPr lang="da-DK" dirty="0"/>
+              <a:t>()</a:t>
+            </a:r>
+          </a:p>
+          <a:p>
+            <a:r>
+              <a:rPr lang="da-DK" dirty="0" err="1"/>
+              <a:t>o.x</a:t>
+            </a:r>
+            <a:r>
+              <a:rPr lang="da-DK" dirty="0"/>
+              <a:t> = 7  # </a:t>
+            </a:r>
+            <a:r>
+              <a:rPr lang="da-DK" dirty="0" err="1"/>
+              <a:t>fails</a:t>
+            </a:r>
+            <a:endParaRPr lang="da-DK" dirty="0"/>
+          </a:p>
+          <a:p>
+            <a:r>
+              <a:rPr lang="da-DK" dirty="0"/>
+              <a:t>class C(</a:t>
+            </a:r>
+            <a:r>
+              <a:rPr lang="da-DK" dirty="0" err="1"/>
+              <a:t>object</a:t>
+            </a:r>
+            <a:r>
+              <a:rPr lang="da-DK" dirty="0"/>
+              <a:t>): </a:t>
+            </a:r>
+            <a:r>
+              <a:rPr lang="da-DK" dirty="0" err="1"/>
+              <a:t>pass</a:t>
+            </a:r>
+            <a:endParaRPr lang="da-DK" dirty="0"/>
+          </a:p>
+          <a:p>
+            <a:r>
+              <a:rPr lang="da-DK" dirty="0"/>
+              <a:t>o = C()</a:t>
+            </a:r>
+          </a:p>
+          <a:p>
+            <a:r>
+              <a:rPr lang="da-DK" dirty="0" err="1"/>
+              <a:t>o.x</a:t>
+            </a:r>
+            <a:r>
+              <a:rPr lang="da-DK" dirty="0"/>
+              <a:t> = 7  # </a:t>
+            </a:r>
+            <a:r>
+              <a:rPr lang="da-DK" dirty="0" err="1"/>
+              <a:t>succeeds</a:t>
+            </a:r>
             <a:endParaRPr lang="en-US" dirty="0"/>
           </a:p>
         </p:txBody>
@@ -2416,7 +2565,7 @@
           <a:p>
             <a:fld id="{0560A9CD-0304-4E0B-9E82-E7E0115DE05B}" type="datetimeFigureOut">
               <a:rPr lang="en-US" smtClean="0"/>
-              <a:t>3/6/2024</a:t>
+              <a:t>3/5/2025</a:t>
             </a:fld>
             <a:endParaRPr lang="en-US"/>
           </a:p>
@@ -2584,7 +2733,7 @@
           <a:p>
             <a:fld id="{0560A9CD-0304-4E0B-9E82-E7E0115DE05B}" type="datetimeFigureOut">
               <a:rPr lang="en-US" smtClean="0"/>
-              <a:t>3/6/2024</a:t>
+              <a:t>3/5/2025</a:t>
             </a:fld>
             <a:endParaRPr lang="en-US"/>
           </a:p>
@@ -2762,7 +2911,7 @@
           <a:p>
             <a:fld id="{0560A9CD-0304-4E0B-9E82-E7E0115DE05B}" type="datetimeFigureOut">
               <a:rPr lang="en-US" smtClean="0"/>
-              <a:t>3/6/2024</a:t>
+              <a:t>3/5/2025</a:t>
             </a:fld>
             <a:endParaRPr lang="en-US"/>
           </a:p>
@@ -2945,7 +3094,7 @@
           <a:p>
             <a:fld id="{0560A9CD-0304-4E0B-9E82-E7E0115DE05B}" type="datetimeFigureOut">
               <a:rPr lang="en-US" smtClean="0"/>
-              <a:t>3/6/2024</a:t>
+              <a:t>3/5/2025</a:t>
             </a:fld>
             <a:endParaRPr lang="en-US"/>
           </a:p>
@@ -3190,7 +3339,7 @@
           <a:p>
             <a:fld id="{0560A9CD-0304-4E0B-9E82-E7E0115DE05B}" type="datetimeFigureOut">
               <a:rPr lang="en-US" smtClean="0"/>
-              <a:t>3/6/2024</a:t>
+              <a:t>3/5/2025</a:t>
             </a:fld>
             <a:endParaRPr lang="en-US"/>
           </a:p>
@@ -3419,7 +3568,7 @@
           <a:p>
             <a:fld id="{0560A9CD-0304-4E0B-9E82-E7E0115DE05B}" type="datetimeFigureOut">
               <a:rPr lang="en-US" smtClean="0"/>
-              <a:t>3/6/2024</a:t>
+              <a:t>3/5/2025</a:t>
             </a:fld>
             <a:endParaRPr lang="en-US"/>
           </a:p>
@@ -3783,7 +3932,7 @@
           <a:p>
             <a:fld id="{0560A9CD-0304-4E0B-9E82-E7E0115DE05B}" type="datetimeFigureOut">
               <a:rPr lang="en-US" smtClean="0"/>
-              <a:t>3/6/2024</a:t>
+              <a:t>3/5/2025</a:t>
             </a:fld>
             <a:endParaRPr lang="en-US"/>
           </a:p>
@@ -3900,7 +4049,7 @@
           <a:p>
             <a:fld id="{0560A9CD-0304-4E0B-9E82-E7E0115DE05B}" type="datetimeFigureOut">
               <a:rPr lang="en-US" smtClean="0"/>
-              <a:t>3/6/2024</a:t>
+              <a:t>3/5/2025</a:t>
             </a:fld>
             <a:endParaRPr lang="en-US"/>
           </a:p>
@@ -3995,7 +4144,7 @@
           <a:p>
             <a:fld id="{0560A9CD-0304-4E0B-9E82-E7E0115DE05B}" type="datetimeFigureOut">
               <a:rPr lang="en-US" smtClean="0"/>
-              <a:t>3/6/2024</a:t>
+              <a:t>3/5/2025</a:t>
             </a:fld>
             <a:endParaRPr lang="en-US"/>
           </a:p>
@@ -4270,7 +4419,7 @@
           <a:p>
             <a:fld id="{0560A9CD-0304-4E0B-9E82-E7E0115DE05B}" type="datetimeFigureOut">
               <a:rPr lang="en-US" smtClean="0"/>
-              <a:t>3/6/2024</a:t>
+              <a:t>3/5/2025</a:t>
             </a:fld>
             <a:endParaRPr lang="en-US"/>
           </a:p>
@@ -4522,7 +4671,7 @@
           <a:p>
             <a:fld id="{0560A9CD-0304-4E0B-9E82-E7E0115DE05B}" type="datetimeFigureOut">
               <a:rPr lang="en-US" smtClean="0"/>
-              <a:t>3/6/2024</a:t>
+              <a:t>3/5/2025</a:t>
             </a:fld>
             <a:endParaRPr lang="en-US"/>
           </a:p>
@@ -4733,7 +4882,7 @@
           <a:p>
             <a:fld id="{0560A9CD-0304-4E0B-9E82-E7E0115DE05B}" type="datetimeFigureOut">
               <a:rPr lang="en-US" smtClean="0"/>
-              <a:t>3/6/2024</a:t>
+              <a:t>3/5/2025</a:t>
             </a:fld>
             <a:endParaRPr lang="en-US"/>
           </a:p>
@@ -6082,6 +6231,534 @@
                 <a:extLst>
                   <a:ext uri="{0D108BD9-81ED-4DB2-BD59-A6C34878D82A}">
                     <a16:rowId xmlns:a16="http://schemas.microsoft.com/office/drawing/2014/main" val="25355368"/>
+                  </a:ext>
+                </a:extLst>
+              </a:tr>
+            </a:tbl>
+          </a:graphicData>
+        </a:graphic>
+      </p:graphicFrame>
+      <p:graphicFrame>
+        <p:nvGraphicFramePr>
+          <p:cNvPr id="3" name="Table 2">
+            <a:extLst>
+              <a:ext uri="{FF2B5EF4-FFF2-40B4-BE49-F238E27FC236}">
+                <a16:creationId xmlns:a16="http://schemas.microsoft.com/office/drawing/2014/main" id="{D6D534D7-5E3E-1FE6-6F11-36B3D6F84712}"/>
+              </a:ext>
+            </a:extLst>
+          </p:cNvPr>
+          <p:cNvGraphicFramePr>
+            <a:graphicFrameLocks noGrp="1"/>
+          </p:cNvGraphicFramePr>
+          <p:nvPr>
+            <p:extLst>
+              <p:ext uri="{D42A27DB-BD31-4B8C-83A1-F6EECF244321}">
+                <p14:modId xmlns:p14="http://schemas.microsoft.com/office/powerpoint/2010/main" val="1240872662"/>
+              </p:ext>
+            </p:extLst>
+          </p:nvPr>
+        </p:nvGraphicFramePr>
+        <p:xfrm>
+          <a:off x="9808527" y="3895901"/>
+          <a:ext cx="1307148" cy="774327"/>
+        </p:xfrm>
+        <a:graphic>
+          <a:graphicData uri="http://schemas.openxmlformats.org/drawingml/2006/table">
+            <a:tbl>
+              <a:tblPr firstRow="1" bandRow="1">
+                <a:tableStyleId>{5C22544A-7EE6-4342-B048-85BDC9FD1C3A}</a:tableStyleId>
+              </a:tblPr>
+              <a:tblGrid>
+                <a:gridCol w="1307148">
+                  <a:extLst>
+                    <a:ext uri="{9D8B030D-6E8A-4147-A177-3AD203B41FA5}">
+                      <a16:colId xmlns:a16="http://schemas.microsoft.com/office/drawing/2014/main" val="1873682825"/>
+                    </a:ext>
+                  </a:extLst>
+                </a:gridCol>
+              </a:tblGrid>
+              <a:tr h="0">
+                <a:tc>
+                  <a:txBody>
+                    <a:bodyPr/>
+                    <a:lstStyle/>
+                    <a:p>
+                      <a:pPr marL="0" marR="0" lvl="0" indent="0" algn="l" defTabSz="914400" rtl="0" eaLnBrk="1" fontAlgn="auto" latinLnBrk="0" hangingPunct="1">
+                        <a:lnSpc>
+                          <a:spcPct val="100000"/>
+                        </a:lnSpc>
+                        <a:spcBef>
+                          <a:spcPts val="0"/>
+                        </a:spcBef>
+                        <a:spcAft>
+                          <a:spcPts val="0"/>
+                        </a:spcAft>
+                        <a:buClrTx/>
+                        <a:buSzTx/>
+                        <a:buFontTx/>
+                        <a:buNone/>
+                        <a:tabLst/>
+                        <a:defRPr/>
+                      </a:pPr>
+                      <a:r>
+                        <a:rPr lang="da-DK" sz="1800" b="0" i="0" dirty="0">
+                          <a:latin typeface="Courier New" panose="02070309020205020404" pitchFamily="49" charset="0"/>
+                          <a:cs typeface="Courier New" panose="02070309020205020404" pitchFamily="49" charset="0"/>
+                        </a:rPr>
+                        <a:t>class B</a:t>
+                      </a:r>
+                      <a:endParaRPr lang="da-DK" sz="1800" b="0" i="1" dirty="0">
+                        <a:latin typeface="Courier New" panose="02070309020205020404" pitchFamily="49" charset="0"/>
+                        <a:cs typeface="Courier New" panose="02070309020205020404" pitchFamily="49" charset="0"/>
+                      </a:endParaRPr>
+                    </a:p>
+                  </a:txBody>
+                  <a:tcPr anchor="ctr">
+                    <a:lnL w="6350" cap="flat" cmpd="sng" algn="ctr">
+                      <a:solidFill>
+                        <a:schemeClr val="tx1"/>
+                      </a:solidFill>
+                      <a:prstDash val="solid"/>
+                      <a:round/>
+                      <a:headEnd type="none" w="med" len="med"/>
+                      <a:tailEnd type="none" w="med" len="med"/>
+                    </a:lnL>
+                    <a:lnR w="6350" cap="flat" cmpd="sng" algn="ctr">
+                      <a:solidFill>
+                        <a:schemeClr val="tx1"/>
+                      </a:solidFill>
+                      <a:prstDash val="solid"/>
+                      <a:round/>
+                      <a:headEnd type="none" w="med" len="med"/>
+                      <a:tailEnd type="none" w="med" len="med"/>
+                    </a:lnR>
+                    <a:lnT w="6350" cap="flat" cmpd="sng" algn="ctr">
+                      <a:solidFill>
+                        <a:schemeClr val="tx1"/>
+                      </a:solidFill>
+                      <a:prstDash val="solid"/>
+                      <a:round/>
+                      <a:headEnd type="none" w="med" len="med"/>
+                      <a:tailEnd type="none" w="med" len="med"/>
+                    </a:lnT>
+                    <a:lnB w="6350" cap="flat" cmpd="sng" algn="ctr">
+                      <a:solidFill>
+                        <a:schemeClr val="tx1"/>
+                      </a:solidFill>
+                      <a:prstDash val="solid"/>
+                      <a:round/>
+                      <a:headEnd type="none" w="med" len="med"/>
+                      <a:tailEnd type="none" w="med" len="med"/>
+                    </a:lnB>
+                    <a:lnTlToBr w="12700" cmpd="sng">
+                      <a:noFill/>
+                      <a:prstDash val="solid"/>
+                    </a:lnTlToBr>
+                    <a:lnBlToTr w="12700" cmpd="sng">
+                      <a:noFill/>
+                      <a:prstDash val="solid"/>
+                    </a:lnBlToTr>
+                    <a:solidFill>
+                      <a:schemeClr val="accent1">
+                        <a:lumMod val="50000"/>
+                      </a:schemeClr>
+                    </a:solidFill>
+                  </a:tcPr>
+                </a:tc>
+                <a:extLst>
+                  <a:ext uri="{0D108BD9-81ED-4DB2-BD59-A6C34878D82A}">
+                    <a16:rowId xmlns:a16="http://schemas.microsoft.com/office/drawing/2014/main" val="3330819881"/>
+                  </a:ext>
+                </a:extLst>
+              </a:tr>
+              <a:tr h="408567">
+                <a:tc>
+                  <a:txBody>
+                    <a:bodyPr/>
+                    <a:lstStyle/>
+                    <a:p>
+                      <a:pPr marL="0" marR="0" lvl="0" indent="0" algn="l" defTabSz="914400" rtl="0" eaLnBrk="1" fontAlgn="auto" latinLnBrk="0" hangingPunct="1">
+                        <a:lnSpc>
+                          <a:spcPct val="100000"/>
+                        </a:lnSpc>
+                        <a:spcBef>
+                          <a:spcPts val="0"/>
+                        </a:spcBef>
+                        <a:spcAft>
+                          <a:spcPts val="0"/>
+                        </a:spcAft>
+                        <a:buClr>
+                          <a:schemeClr val="accent1">
+                            <a:lumMod val="50000"/>
+                          </a:schemeClr>
+                        </a:buClr>
+                        <a:buSzTx/>
+                        <a:buFont typeface="Wingdings" panose="05000000000000000000" pitchFamily="2" charset="2"/>
+                        <a:buNone/>
+                        <a:tabLst/>
+                        <a:defRPr/>
+                      </a:pPr>
+                      <a:r>
+                        <a:rPr lang="da-DK" sz="1800" i="0" dirty="0" err="1">
+                          <a:latin typeface="Courier New" panose="02070309020205020404" pitchFamily="49" charset="0"/>
+                          <a:cs typeface="Courier New" panose="02070309020205020404" pitchFamily="49" charset="0"/>
+                        </a:rPr>
+                        <a:t>say</a:t>
+                      </a:r>
+                      <a:r>
+                        <a:rPr lang="da-DK" sz="1800" i="0" dirty="0">
+                          <a:latin typeface="Courier New" panose="02070309020205020404" pitchFamily="49" charset="0"/>
+                          <a:cs typeface="Courier New" panose="02070309020205020404" pitchFamily="49" charset="0"/>
+                        </a:rPr>
+                        <a:t>()</a:t>
+                      </a:r>
+                      <a:endParaRPr lang="en-US" sz="1800" i="0" dirty="0">
+                        <a:latin typeface="Courier New" panose="02070309020205020404" pitchFamily="49" charset="0"/>
+                        <a:cs typeface="Courier New" panose="02070309020205020404" pitchFamily="49" charset="0"/>
+                      </a:endParaRPr>
+                    </a:p>
+                  </a:txBody>
+                  <a:tcPr>
+                    <a:lnL w="6350" cap="flat" cmpd="sng" algn="ctr">
+                      <a:solidFill>
+                        <a:schemeClr val="tx1"/>
+                      </a:solidFill>
+                      <a:prstDash val="solid"/>
+                      <a:round/>
+                      <a:headEnd type="none" w="med" len="med"/>
+                      <a:tailEnd type="none" w="med" len="med"/>
+                    </a:lnL>
+                    <a:lnR w="6350" cap="flat" cmpd="sng" algn="ctr">
+                      <a:solidFill>
+                        <a:schemeClr val="tx1"/>
+                      </a:solidFill>
+                      <a:prstDash val="solid"/>
+                      <a:round/>
+                      <a:headEnd type="none" w="med" len="med"/>
+                      <a:tailEnd type="none" w="med" len="med"/>
+                    </a:lnR>
+                    <a:lnT w="6350" cap="flat" cmpd="sng" algn="ctr">
+                      <a:solidFill>
+                        <a:schemeClr val="tx1"/>
+                      </a:solidFill>
+                      <a:prstDash val="solid"/>
+                      <a:round/>
+                      <a:headEnd type="none" w="med" len="med"/>
+                      <a:tailEnd type="none" w="med" len="med"/>
+                    </a:lnT>
+                    <a:lnB w="6350" cap="flat" cmpd="sng" algn="ctr">
+                      <a:solidFill>
+                        <a:schemeClr val="tx1"/>
+                      </a:solidFill>
+                      <a:prstDash val="solid"/>
+                      <a:round/>
+                      <a:headEnd type="none" w="med" len="med"/>
+                      <a:tailEnd type="none" w="med" len="med"/>
+                    </a:lnB>
+                    <a:lnTlToBr w="12700" cmpd="sng">
+                      <a:noFill/>
+                      <a:prstDash val="solid"/>
+                    </a:lnTlToBr>
+                    <a:lnBlToTr w="12700" cmpd="sng">
+                      <a:noFill/>
+                      <a:prstDash val="solid"/>
+                    </a:lnBlToTr>
+                    <a:solidFill>
+                      <a:schemeClr val="accent5">
+                        <a:lumMod val="20000"/>
+                        <a:lumOff val="80000"/>
+                      </a:schemeClr>
+                    </a:solidFill>
+                  </a:tcPr>
+                </a:tc>
+                <a:extLst>
+                  <a:ext uri="{0D108BD9-81ED-4DB2-BD59-A6C34878D82A}">
+                    <a16:rowId xmlns:a16="http://schemas.microsoft.com/office/drawing/2014/main" val="4112970457"/>
+                  </a:ext>
+                </a:extLst>
+              </a:tr>
+            </a:tbl>
+          </a:graphicData>
+        </a:graphic>
+      </p:graphicFrame>
+      <p:cxnSp>
+        <p:nvCxnSpPr>
+          <p:cNvPr id="6" name="Straight Arrow Connector 5">
+            <a:extLst>
+              <a:ext uri="{FF2B5EF4-FFF2-40B4-BE49-F238E27FC236}">
+                <a16:creationId xmlns:a16="http://schemas.microsoft.com/office/drawing/2014/main" id="{167B8B5A-7DC7-557B-2819-8DE46A448F3C}"/>
+              </a:ext>
+            </a:extLst>
+          </p:cNvPr>
+          <p:cNvCxnSpPr/>
+          <p:nvPr/>
+        </p:nvCxnSpPr>
+        <p:spPr>
+          <a:xfrm flipV="1">
+            <a:off x="10427335" y="3281995"/>
+            <a:ext cx="0" cy="491986"/>
+          </a:xfrm>
+          <a:prstGeom prst="straightConnector1">
+            <a:avLst/>
+          </a:prstGeom>
+          <a:ln w="76200">
+            <a:solidFill>
+              <a:srgbClr val="C00000"/>
+            </a:solidFill>
+            <a:tailEnd type="triangle"/>
+          </a:ln>
+        </p:spPr>
+        <p:style>
+          <a:lnRef idx="1">
+            <a:schemeClr val="accent1"/>
+          </a:lnRef>
+          <a:fillRef idx="0">
+            <a:schemeClr val="accent1"/>
+          </a:fillRef>
+          <a:effectRef idx="0">
+            <a:schemeClr val="accent1"/>
+          </a:effectRef>
+          <a:fontRef idx="minor">
+            <a:schemeClr val="tx1"/>
+          </a:fontRef>
+        </p:style>
+      </p:cxnSp>
+      <p:graphicFrame>
+        <p:nvGraphicFramePr>
+          <p:cNvPr id="7" name="Table 6">
+            <a:extLst>
+              <a:ext uri="{FF2B5EF4-FFF2-40B4-BE49-F238E27FC236}">
+                <a16:creationId xmlns:a16="http://schemas.microsoft.com/office/drawing/2014/main" id="{FEF4743D-B782-E89B-A7DB-FDB1BE9D5A37}"/>
+              </a:ext>
+            </a:extLst>
+          </p:cNvPr>
+          <p:cNvGraphicFramePr>
+            <a:graphicFrameLocks noGrp="1"/>
+          </p:cNvGraphicFramePr>
+          <p:nvPr>
+            <p:extLst>
+              <p:ext uri="{D42A27DB-BD31-4B8C-83A1-F6EECF244321}">
+                <p14:modId xmlns:p14="http://schemas.microsoft.com/office/powerpoint/2010/main" val="2005126390"/>
+              </p:ext>
+            </p:extLst>
+          </p:nvPr>
+        </p:nvGraphicFramePr>
+        <p:xfrm>
+          <a:off x="9818052" y="2301902"/>
+          <a:ext cx="1275080" cy="774327"/>
+        </p:xfrm>
+        <a:graphic>
+          <a:graphicData uri="http://schemas.openxmlformats.org/drawingml/2006/table">
+            <a:tbl>
+              <a:tblPr firstRow="1" bandRow="1">
+                <a:tableStyleId>{5C22544A-7EE6-4342-B048-85BDC9FD1C3A}</a:tableStyleId>
+              </a:tblPr>
+              <a:tblGrid>
+                <a:gridCol w="1275080">
+                  <a:extLst>
+                    <a:ext uri="{9D8B030D-6E8A-4147-A177-3AD203B41FA5}">
+                      <a16:colId xmlns:a16="http://schemas.microsoft.com/office/drawing/2014/main" val="1873682825"/>
+                    </a:ext>
+                  </a:extLst>
+                </a:gridCol>
+              </a:tblGrid>
+              <a:tr h="182750">
+                <a:tc>
+                  <a:txBody>
+                    <a:bodyPr/>
+                    <a:lstStyle/>
+                    <a:p>
+                      <a:pPr marL="0" marR="0" lvl="0" indent="0" algn="l" defTabSz="914400" rtl="0" eaLnBrk="1" fontAlgn="auto" latinLnBrk="0" hangingPunct="1">
+                        <a:lnSpc>
+                          <a:spcPct val="100000"/>
+                        </a:lnSpc>
+                        <a:spcBef>
+                          <a:spcPts val="0"/>
+                        </a:spcBef>
+                        <a:spcAft>
+                          <a:spcPts val="0"/>
+                        </a:spcAft>
+                        <a:buClrTx/>
+                        <a:buSzTx/>
+                        <a:buFontTx/>
+                        <a:buNone/>
+                        <a:tabLst/>
+                        <a:defRPr/>
+                      </a:pPr>
+                      <a:r>
+                        <a:rPr lang="da-DK" sz="1800" b="0" i="0" dirty="0">
+                          <a:latin typeface="Courier New" panose="02070309020205020404" pitchFamily="49" charset="0"/>
+                          <a:cs typeface="Courier New" panose="02070309020205020404" pitchFamily="49" charset="0"/>
+                        </a:rPr>
+                        <a:t>class A</a:t>
+                      </a:r>
+                      <a:endParaRPr lang="da-DK" sz="1800" b="0" i="1" dirty="0">
+                        <a:latin typeface="Courier New" panose="02070309020205020404" pitchFamily="49" charset="0"/>
+                        <a:cs typeface="Courier New" panose="02070309020205020404" pitchFamily="49" charset="0"/>
+                      </a:endParaRPr>
+                    </a:p>
+                  </a:txBody>
+                  <a:tcPr anchor="ctr">
+                    <a:lnL w="6350" cap="flat" cmpd="sng" algn="ctr">
+                      <a:solidFill>
+                        <a:schemeClr val="tx1"/>
+                      </a:solidFill>
+                      <a:prstDash val="solid"/>
+                      <a:round/>
+                      <a:headEnd type="none" w="med" len="med"/>
+                      <a:tailEnd type="none" w="med" len="med"/>
+                    </a:lnL>
+                    <a:lnR w="6350" cap="flat" cmpd="sng" algn="ctr">
+                      <a:solidFill>
+                        <a:schemeClr val="tx1"/>
+                      </a:solidFill>
+                      <a:prstDash val="solid"/>
+                      <a:round/>
+                      <a:headEnd type="none" w="med" len="med"/>
+                      <a:tailEnd type="none" w="med" len="med"/>
+                    </a:lnR>
+                    <a:lnT w="6350" cap="flat" cmpd="sng" algn="ctr">
+                      <a:solidFill>
+                        <a:schemeClr val="tx1"/>
+                      </a:solidFill>
+                      <a:prstDash val="solid"/>
+                      <a:round/>
+                      <a:headEnd type="none" w="med" len="med"/>
+                      <a:tailEnd type="none" w="med" len="med"/>
+                    </a:lnT>
+                    <a:lnB w="6350" cap="flat" cmpd="sng" algn="ctr">
+                      <a:solidFill>
+                        <a:schemeClr val="tx1"/>
+                      </a:solidFill>
+                      <a:prstDash val="solid"/>
+                      <a:round/>
+                      <a:headEnd type="none" w="med" len="med"/>
+                      <a:tailEnd type="none" w="med" len="med"/>
+                    </a:lnB>
+                    <a:lnTlToBr w="12700" cmpd="sng">
+                      <a:noFill/>
+                      <a:prstDash val="solid"/>
+                    </a:lnTlToBr>
+                    <a:lnBlToTr w="12700" cmpd="sng">
+                      <a:noFill/>
+                      <a:prstDash val="solid"/>
+                    </a:lnBlToTr>
+                    <a:solidFill>
+                      <a:schemeClr val="accent1">
+                        <a:lumMod val="50000"/>
+                      </a:schemeClr>
+                    </a:solidFill>
+                  </a:tcPr>
+                </a:tc>
+                <a:extLst>
+                  <a:ext uri="{0D108BD9-81ED-4DB2-BD59-A6C34878D82A}">
+                    <a16:rowId xmlns:a16="http://schemas.microsoft.com/office/drawing/2014/main" val="3330819881"/>
+                  </a:ext>
+                </a:extLst>
+              </a:tr>
+              <a:tr h="408567">
+                <a:tc>
+                  <a:txBody>
+                    <a:bodyPr/>
+                    <a:lstStyle/>
+                    <a:p>
+                      <a:pPr marL="0" marR="0" lvl="0" indent="0" algn="l" defTabSz="914400" rtl="0" eaLnBrk="1" fontAlgn="auto" latinLnBrk="0" hangingPunct="1">
+                        <a:lnSpc>
+                          <a:spcPct val="100000"/>
+                        </a:lnSpc>
+                        <a:spcBef>
+                          <a:spcPts val="0"/>
+                        </a:spcBef>
+                        <a:spcAft>
+                          <a:spcPts val="0"/>
+                        </a:spcAft>
+                        <a:buClr>
+                          <a:schemeClr val="accent1">
+                            <a:lumMod val="50000"/>
+                          </a:schemeClr>
+                        </a:buClr>
+                        <a:buSzTx/>
+                        <a:buFont typeface="Wingdings" panose="05000000000000000000" pitchFamily="2" charset="2"/>
+                        <a:buNone/>
+                        <a:tabLst/>
+                        <a:defRPr/>
+                      </a:pPr>
+                      <a:r>
+                        <a:rPr lang="da-DK" sz="1800" i="0" dirty="0" err="1">
+                          <a:latin typeface="Courier New" panose="02070309020205020404" pitchFamily="49" charset="0"/>
+                          <a:cs typeface="Courier New" panose="02070309020205020404" pitchFamily="49" charset="0"/>
+                        </a:rPr>
+                        <a:t>say</a:t>
+                      </a:r>
+                      <a:r>
+                        <a:rPr lang="da-DK" sz="1800" i="0" dirty="0">
+                          <a:latin typeface="Courier New" panose="02070309020205020404" pitchFamily="49" charset="0"/>
+                          <a:cs typeface="Courier New" panose="02070309020205020404" pitchFamily="49" charset="0"/>
+                        </a:rPr>
+                        <a:t>()</a:t>
+                      </a:r>
+                      <a:endParaRPr lang="en-US" sz="1800" i="0" dirty="0">
+                        <a:latin typeface="Courier New" panose="02070309020205020404" pitchFamily="49" charset="0"/>
+                        <a:cs typeface="Courier New" panose="02070309020205020404" pitchFamily="49" charset="0"/>
+                      </a:endParaRPr>
+                    </a:p>
+                  </a:txBody>
+                  <a:tcPr>
+                    <a:lnL w="6350" cap="flat" cmpd="sng" algn="ctr">
+                      <a:solidFill>
+                        <a:schemeClr val="tx1"/>
+                      </a:solidFill>
+                      <a:prstDash val="solid"/>
+                      <a:round/>
+                      <a:headEnd type="none" w="med" len="med"/>
+                      <a:tailEnd type="none" w="med" len="med"/>
+                    </a:lnL>
+                    <a:lnR w="6350" cap="flat" cmpd="sng" algn="ctr">
+                      <a:solidFill>
+                        <a:schemeClr val="tx1"/>
+                      </a:solidFill>
+                      <a:prstDash val="solid"/>
+                      <a:round/>
+                      <a:headEnd type="none" w="med" len="med"/>
+                      <a:tailEnd type="none" w="med" len="med"/>
+                    </a:lnR>
+                    <a:lnT w="6350" cap="flat" cmpd="sng" algn="ctr">
+                      <a:solidFill>
+                        <a:schemeClr val="tx1"/>
+                      </a:solidFill>
+                      <a:prstDash val="solid"/>
+                      <a:round/>
+                      <a:headEnd type="none" w="med" len="med"/>
+                      <a:tailEnd type="none" w="med" len="med"/>
+                    </a:lnT>
+                    <a:lnB w="6350" cap="flat" cmpd="sng" algn="ctr">
+                      <a:solidFill>
+                        <a:schemeClr val="tx1"/>
+                      </a:solidFill>
+                      <a:prstDash val="solid"/>
+                      <a:round/>
+                      <a:headEnd type="none" w="med" len="med"/>
+                      <a:tailEnd type="none" w="med" len="med"/>
+                    </a:lnB>
+                    <a:lnTlToBr w="12700" cmpd="sng">
+                      <a:noFill/>
+                      <a:prstDash val="solid"/>
+                    </a:lnTlToBr>
+                    <a:lnBlToTr w="12700" cmpd="sng">
+                      <a:noFill/>
+                      <a:prstDash val="solid"/>
+                    </a:lnBlToTr>
+                    <a:solidFill>
+                      <a:schemeClr val="accent5">
+                        <a:lumMod val="20000"/>
+                        <a:lumOff val="80000"/>
+                      </a:schemeClr>
+                    </a:solidFill>
+                  </a:tcPr>
+                </a:tc>
+                <a:extLst>
+                  <a:ext uri="{0D108BD9-81ED-4DB2-BD59-A6C34878D82A}">
+                    <a16:rowId xmlns:a16="http://schemas.microsoft.com/office/drawing/2014/main" val="4112970457"/>
                   </a:ext>
                 </a:extLst>
               </a:tr>
@@ -13709,7 +14386,7 @@
         <p:spPr>
           <a:xfrm>
             <a:off x="838200" y="2244725"/>
-            <a:ext cx="11122571" cy="3546476"/>
+            <a:ext cx="11122571" cy="4248150"/>
           </a:xfrm>
         </p:spPr>
         <p:txBody>
@@ -13840,7 +14517,7 @@
                 <a:latin typeface="Courier New" panose="02070309020205020404" pitchFamily="49" charset="0"/>
                 <a:cs typeface="Courier New" panose="02070309020205020404" pitchFamily="49" charset="0"/>
               </a:rPr>
-              <a:t> id(obj1)==id(obj2)</a:t>
+              <a:t> id(obj1) == id(obj2)</a:t>
             </a:r>
           </a:p>
           <a:p>
@@ -14065,6 +14742,66 @@
               </a:rPr>
               <a:t>class2</a:t>
             </a:r>
+          </a:p>
+          <a:p>
+            <a:endParaRPr lang="en-US" sz="2400" dirty="0">
+              <a:latin typeface="Courier New" panose="02070309020205020404" pitchFamily="49" charset="0"/>
+              <a:cs typeface="Courier New" panose="02070309020205020404" pitchFamily="49" charset="0"/>
+            </a:endParaRPr>
+          </a:p>
+          <a:p>
+            <a:endParaRPr lang="en-US" sz="2400" dirty="0">
+              <a:latin typeface="Courier New" panose="02070309020205020404" pitchFamily="49" charset="0"/>
+              <a:cs typeface="Courier New" panose="02070309020205020404" pitchFamily="49" charset="0"/>
+            </a:endParaRPr>
+          </a:p>
+          <a:p>
+            <a:pPr marL="0" indent="0">
+              <a:buNone/>
+            </a:pPr>
+            <a:r>
+              <a:rPr lang="en-US" sz="2400" dirty="0">
+                <a:latin typeface="Calibri body"/>
+                <a:cs typeface="Courier New" panose="02070309020205020404" pitchFamily="49" charset="0"/>
+              </a:rPr>
+              <a:t>Note: PEP8 recommends to use </a:t>
+            </a:r>
+            <a:r>
+              <a:rPr lang="en-US" sz="2400" dirty="0" err="1">
+                <a:latin typeface="Courier New" panose="02070309020205020404" pitchFamily="49" charset="0"/>
+                <a:cs typeface="Courier New" panose="02070309020205020404" pitchFamily="49" charset="0"/>
+              </a:rPr>
+              <a:t>isinstance</a:t>
+            </a:r>
+            <a:r>
+              <a:rPr lang="en-US" sz="2400" dirty="0">
+                <a:latin typeface="Courier New" panose="02070309020205020404" pitchFamily="49" charset="0"/>
+                <a:cs typeface="Courier New" panose="02070309020205020404" pitchFamily="49" charset="0"/>
+              </a:rPr>
+              <a:t>(x, int)</a:t>
+            </a:r>
+            <a:r>
+              <a:rPr lang="en-US" sz="2400" dirty="0">
+                <a:cs typeface="Courier New" panose="02070309020205020404" pitchFamily="49" charset="0"/>
+              </a:rPr>
+              <a:t> over </a:t>
+            </a:r>
+            <a:r>
+              <a:rPr lang="en-US" sz="2400" dirty="0">
+                <a:latin typeface="Courier New" panose="02070309020205020404" pitchFamily="49" charset="0"/>
+                <a:cs typeface="Courier New" panose="02070309020205020404" pitchFamily="49" charset="0"/>
+              </a:rPr>
+              <a:t>type(x) is int</a:t>
+            </a:r>
+          </a:p>
+          <a:p>
+            <a:pPr marL="0" indent="0">
+              <a:buNone/>
+            </a:pPr>
+            <a:endParaRPr lang="en-US" sz="2400" dirty="0">
+              <a:latin typeface="Courier New" panose="02070309020205020404" pitchFamily="49" charset="0"/>
+              <a:cs typeface="Courier New" panose="02070309020205020404" pitchFamily="49" charset="0"/>
+            </a:endParaRPr>
           </a:p>
         </p:txBody>
       </p:sp>
@@ -14201,6 +14938,11 @@
             </a:r>
           </a:p>
           <a:p>
+            <a:pPr>
+              <a:lnSpc>
+                <a:spcPct val="120000"/>
+              </a:lnSpc>
+            </a:pPr>
             <a:r>
               <a:rPr lang="en-US" dirty="0"/>
               <a:t>Even though </a:t>
@@ -15673,7 +16415,7 @@
           <p:nvPr/>
         </p:nvPicPr>
         <p:blipFill>
-          <a:blip r:embed="rId2" cstate="print">
+          <a:blip r:embed="rId3" cstate="print">
             <a:extLst>
               <a:ext uri="{28A0092B-C50C-407E-A947-70E740481C1C}">
                 <a14:useLocalDpi xmlns:a14="http://schemas.microsoft.com/office/drawing/2010/main" val="0"/>
@@ -15703,7 +16445,7 @@
           <p:nvPr/>
         </p:nvPicPr>
         <p:blipFill>
-          <a:blip r:embed="rId2" cstate="print">
+          <a:blip r:embed="rId3" cstate="print">
             <a:extLst>
               <a:ext uri="{28A0092B-C50C-407E-A947-70E740481C1C}">
                 <a14:useLocalDpi xmlns:a14="http://schemas.microsoft.com/office/drawing/2010/main" val="0"/>
@@ -15733,7 +16475,7 @@
           <p:nvPr/>
         </p:nvPicPr>
         <p:blipFill>
-          <a:blip r:embed="rId2" cstate="print">
+          <a:blip r:embed="rId3" cstate="print">
             <a:extLst>
               <a:ext uri="{28A0092B-C50C-407E-A947-70E740481C1C}">
                 <a14:useLocalDpi xmlns:a14="http://schemas.microsoft.com/office/drawing/2010/main" val="0"/>
@@ -15763,7 +16505,7 @@
           <p:nvPr/>
         </p:nvPicPr>
         <p:blipFill>
-          <a:blip r:embed="rId2" cstate="print">
+          <a:blip r:embed="rId3" cstate="print">
             <a:extLst>
               <a:ext uri="{28A0092B-C50C-407E-A947-70E740481C1C}">
                 <a14:useLocalDpi xmlns:a14="http://schemas.microsoft.com/office/drawing/2010/main" val="0"/>
@@ -15793,7 +16535,7 @@
           <p:nvPr/>
         </p:nvPicPr>
         <p:blipFill>
-          <a:blip r:embed="rId2" cstate="print">
+          <a:blip r:embed="rId3" cstate="print">
             <a:extLst>
               <a:ext uri="{28A0092B-C50C-407E-A947-70E740481C1C}">
                 <a14:useLocalDpi xmlns:a14="http://schemas.microsoft.com/office/drawing/2010/main" val="0"/>

--- a/ipsa/slides/hierarchies.pptx
+++ b/ipsa/slides/hierarchies.pptx
@@ -135,14 +135,6 @@
 </p:presentation>
 </file>
 
-<file path=ppt/revisionInfo.xml><?xml version="1.0" encoding="utf-8"?>
-<p1510:revInfo xmlns:a="http://schemas.openxmlformats.org/drawingml/2006/main" xmlns:r="http://schemas.openxmlformats.org/officeDocument/2006/relationships" xmlns:p1510="http://schemas.microsoft.com/office/powerpoint/2015/10/main">
-  <p1510:revLst>
-    <p1510:client id="{836BD003-F4D6-40D0-ACDF-55EBE37D2209}" v="3" dt="2025-03-05T07:44:29.677"/>
-  </p1510:revLst>
-</p1510:revInfo>
-</file>
-
 <file path=ppt/changesInfos/changesInfo1.xml><?xml version="1.0" encoding="utf-8"?>
 <pc:chgInfo xmlns:a="http://schemas.openxmlformats.org/drawingml/2006/main" xmlns:r="http://schemas.openxmlformats.org/officeDocument/2006/relationships" xmlns:ac="http://schemas.microsoft.com/office/drawing/2013/main/command" xmlns:pc="http://schemas.microsoft.com/office/powerpoint/2013/main/command">
   <pc:docChgLst>
@@ -158,30 +150,6 @@
           <pc:docMk/>
           <pc:sldMk cId="2256920451" sldId="677"/>
         </pc:sldMkLst>
-        <pc:graphicFrameChg chg="add mod modGraphic">
-          <ac:chgData name="Gerth Stølting Brodal" userId="04ef4784-6591-4f86-a140-f5c3b108582a" providerId="ADAL" clId="{836BD003-F4D6-40D0-ACDF-55EBE37D2209}" dt="2025-03-05T07:44:53.887" v="306" actId="1076"/>
-          <ac:graphicFrameMkLst>
-            <pc:docMk/>
-            <pc:sldMk cId="2256920451" sldId="677"/>
-            <ac:graphicFrameMk id="3" creationId="{D6D534D7-5E3E-1FE6-6F11-36B3D6F84712}"/>
-          </ac:graphicFrameMkLst>
-        </pc:graphicFrameChg>
-        <pc:graphicFrameChg chg="add mod modGraphic">
-          <ac:chgData name="Gerth Stølting Brodal" userId="04ef4784-6591-4f86-a140-f5c3b108582a" providerId="ADAL" clId="{836BD003-F4D6-40D0-ACDF-55EBE37D2209}" dt="2025-03-05T07:45:12.139" v="309" actId="20577"/>
-          <ac:graphicFrameMkLst>
-            <pc:docMk/>
-            <pc:sldMk cId="2256920451" sldId="677"/>
-            <ac:graphicFrameMk id="7" creationId="{FEF4743D-B782-E89B-A7DB-FDB1BE9D5A37}"/>
-          </ac:graphicFrameMkLst>
-        </pc:graphicFrameChg>
-        <pc:cxnChg chg="add mod">
-          <ac:chgData name="Gerth Stølting Brodal" userId="04ef4784-6591-4f86-a140-f5c3b108582a" providerId="ADAL" clId="{836BD003-F4D6-40D0-ACDF-55EBE37D2209}" dt="2025-03-05T07:44:53.887" v="306" actId="1076"/>
-          <ac:cxnSpMkLst>
-            <pc:docMk/>
-            <pc:sldMk cId="2256920451" sldId="677"/>
-            <ac:cxnSpMk id="6" creationId="{167B8B5A-7DC7-557B-2819-8DE46A448F3C}"/>
-          </ac:cxnSpMkLst>
-        </pc:cxnChg>
       </pc:sldChg>
       <pc:sldChg chg="modSp mod">
         <pc:chgData name="Gerth Stølting Brodal" userId="04ef4784-6591-4f86-a140-f5c3b108582a" providerId="ADAL" clId="{836BD003-F4D6-40D0-ACDF-55EBE37D2209}" dt="2025-03-05T08:01:35.596" v="375" actId="20577"/>
@@ -189,14 +157,6 @@
           <pc:docMk/>
           <pc:sldMk cId="1203910268" sldId="684"/>
         </pc:sldMkLst>
-        <pc:spChg chg="mod">
-          <ac:chgData name="Gerth Stølting Brodal" userId="04ef4784-6591-4f86-a140-f5c3b108582a" providerId="ADAL" clId="{836BD003-F4D6-40D0-ACDF-55EBE37D2209}" dt="2025-03-05T08:01:35.596" v="375" actId="20577"/>
-          <ac:spMkLst>
-            <pc:docMk/>
-            <pc:sldMk cId="1203910268" sldId="684"/>
-            <ac:spMk id="3" creationId="{00000000-0000-0000-0000-000000000000}"/>
-          </ac:spMkLst>
-        </pc:spChg>
       </pc:sldChg>
       <pc:sldChg chg="modNotesTx">
         <pc:chgData name="Gerth Stølting Brodal" userId="04ef4784-6591-4f86-a140-f5c3b108582a" providerId="ADAL" clId="{836BD003-F4D6-40D0-ACDF-55EBE37D2209}" dt="2025-03-05T07:33:57.049" v="275" actId="20577"/>
@@ -211,12 +171,43 @@
           <pc:docMk/>
           <pc:sldMk cId="776451279" sldId="698"/>
         </pc:sldMkLst>
+      </pc:sldChg>
+    </pc:docChg>
+  </pc:docChgLst>
+  <pc:docChgLst>
+    <pc:chgData name="Gerth Stølting Brodal" userId="04ef4784-6591-4f86-a140-f5c3b108582a" providerId="ADAL" clId="{27124F44-A0F7-408A-AA2B-2C5136C1DC06}"/>
+    <pc:docChg chg="modSld">
+      <pc:chgData name="Gerth Stølting Brodal" userId="04ef4784-6591-4f86-a140-f5c3b108582a" providerId="ADAL" clId="{27124F44-A0F7-408A-AA2B-2C5136C1DC06}" dt="2025-10-27T18:31:22.821" v="3" actId="962"/>
+      <pc:docMkLst>
+        <pc:docMk/>
+      </pc:docMkLst>
+      <pc:sldChg chg="modSp mod">
+        <pc:chgData name="Gerth Stølting Brodal" userId="04ef4784-6591-4f86-a140-f5c3b108582a" providerId="ADAL" clId="{27124F44-A0F7-408A-AA2B-2C5136C1DC06}" dt="2025-10-27T18:31:15.472" v="1" actId="962"/>
+        <pc:sldMkLst>
+          <pc:docMk/>
+          <pc:sldMk cId="3232688819" sldId="692"/>
+        </pc:sldMkLst>
         <pc:spChg chg="mod">
-          <ac:chgData name="Gerth Stølting Brodal" userId="04ef4784-6591-4f86-a140-f5c3b108582a" providerId="ADAL" clId="{836BD003-F4D6-40D0-ACDF-55EBE37D2209}" dt="2025-03-05T08:03:27.062" v="376" actId="948"/>
+          <ac:chgData name="Gerth Stølting Brodal" userId="04ef4784-6591-4f86-a140-f5c3b108582a" providerId="ADAL" clId="{27124F44-A0F7-408A-AA2B-2C5136C1DC06}" dt="2025-10-27T18:31:15.472" v="1" actId="962"/>
           <ac:spMkLst>
             <pc:docMk/>
-            <pc:sldMk cId="776451279" sldId="698"/>
-            <ac:spMk id="3" creationId="{00000000-0000-0000-0000-000000000000}"/>
+            <pc:sldMk cId="3232688819" sldId="692"/>
+            <ac:spMk id="5" creationId="{00000000-0000-0000-0000-000000000000}"/>
+          </ac:spMkLst>
+        </pc:spChg>
+      </pc:sldChg>
+      <pc:sldChg chg="modSp mod">
+        <pc:chgData name="Gerth Stølting Brodal" userId="04ef4784-6591-4f86-a140-f5c3b108582a" providerId="ADAL" clId="{27124F44-A0F7-408A-AA2B-2C5136C1DC06}" dt="2025-10-27T18:31:22.821" v="3" actId="962"/>
+        <pc:sldMkLst>
+          <pc:docMk/>
+          <pc:sldMk cId="1983749371" sldId="696"/>
+        </pc:sldMkLst>
+        <pc:spChg chg="mod">
+          <ac:chgData name="Gerth Stølting Brodal" userId="04ef4784-6591-4f86-a140-f5c3b108582a" providerId="ADAL" clId="{27124F44-A0F7-408A-AA2B-2C5136C1DC06}" dt="2025-10-27T18:31:22.821" v="3" actId="962"/>
+          <ac:spMkLst>
+            <pc:docMk/>
+            <pc:sldMk cId="1983749371" sldId="696"/>
+            <ac:spMk id="5" creationId="{00000000-0000-0000-0000-000000000000}"/>
           </ac:spMkLst>
         </pc:spChg>
       </pc:sldChg>
@@ -504,7 +495,7 @@
           <a:p>
             <a:fld id="{FB1A172F-81D4-4DC4-9113-1DBD56EC3646}" type="datetimeFigureOut">
               <a:rPr lang="en-US" smtClean="0"/>
-              <a:t>3/5/2025</a:t>
+              <a:t>10/27/2025</a:t>
             </a:fld>
             <a:endParaRPr lang="en-US"/>
           </a:p>
@@ -2565,7 +2556,7 @@
           <a:p>
             <a:fld id="{0560A9CD-0304-4E0B-9E82-E7E0115DE05B}" type="datetimeFigureOut">
               <a:rPr lang="en-US" smtClean="0"/>
-              <a:t>3/5/2025</a:t>
+              <a:t>10/27/2025</a:t>
             </a:fld>
             <a:endParaRPr lang="en-US"/>
           </a:p>
@@ -2733,7 +2724,7 @@
           <a:p>
             <a:fld id="{0560A9CD-0304-4E0B-9E82-E7E0115DE05B}" type="datetimeFigureOut">
               <a:rPr lang="en-US" smtClean="0"/>
-              <a:t>3/5/2025</a:t>
+              <a:t>10/27/2025</a:t>
             </a:fld>
             <a:endParaRPr lang="en-US"/>
           </a:p>
@@ -2911,7 +2902,7 @@
           <a:p>
             <a:fld id="{0560A9CD-0304-4E0B-9E82-E7E0115DE05B}" type="datetimeFigureOut">
               <a:rPr lang="en-US" smtClean="0"/>
-              <a:t>3/5/2025</a:t>
+              <a:t>10/27/2025</a:t>
             </a:fld>
             <a:endParaRPr lang="en-US"/>
           </a:p>
@@ -3094,7 +3085,7 @@
           <a:p>
             <a:fld id="{0560A9CD-0304-4E0B-9E82-E7E0115DE05B}" type="datetimeFigureOut">
               <a:rPr lang="en-US" smtClean="0"/>
-              <a:t>3/5/2025</a:t>
+              <a:t>10/27/2025</a:t>
             </a:fld>
             <a:endParaRPr lang="en-US"/>
           </a:p>
@@ -3339,7 +3330,7 @@
           <a:p>
             <a:fld id="{0560A9CD-0304-4E0B-9E82-E7E0115DE05B}" type="datetimeFigureOut">
               <a:rPr lang="en-US" smtClean="0"/>
-              <a:t>3/5/2025</a:t>
+              <a:t>10/27/2025</a:t>
             </a:fld>
             <a:endParaRPr lang="en-US"/>
           </a:p>
@@ -3568,7 +3559,7 @@
           <a:p>
             <a:fld id="{0560A9CD-0304-4E0B-9E82-E7E0115DE05B}" type="datetimeFigureOut">
               <a:rPr lang="en-US" smtClean="0"/>
-              <a:t>3/5/2025</a:t>
+              <a:t>10/27/2025</a:t>
             </a:fld>
             <a:endParaRPr lang="en-US"/>
           </a:p>
@@ -3932,7 +3923,7 @@
           <a:p>
             <a:fld id="{0560A9CD-0304-4E0B-9E82-E7E0115DE05B}" type="datetimeFigureOut">
               <a:rPr lang="en-US" smtClean="0"/>
-              <a:t>3/5/2025</a:t>
+              <a:t>10/27/2025</a:t>
             </a:fld>
             <a:endParaRPr lang="en-US"/>
           </a:p>
@@ -4049,7 +4040,7 @@
           <a:p>
             <a:fld id="{0560A9CD-0304-4E0B-9E82-E7E0115DE05B}" type="datetimeFigureOut">
               <a:rPr lang="en-US" smtClean="0"/>
-              <a:t>3/5/2025</a:t>
+              <a:t>10/27/2025</a:t>
             </a:fld>
             <a:endParaRPr lang="en-US"/>
           </a:p>
@@ -4144,7 +4135,7 @@
           <a:p>
             <a:fld id="{0560A9CD-0304-4E0B-9E82-E7E0115DE05B}" type="datetimeFigureOut">
               <a:rPr lang="en-US" smtClean="0"/>
-              <a:t>3/5/2025</a:t>
+              <a:t>10/27/2025</a:t>
             </a:fld>
             <a:endParaRPr lang="en-US"/>
           </a:p>
@@ -4419,7 +4410,7 @@
           <a:p>
             <a:fld id="{0560A9CD-0304-4E0B-9E82-E7E0115DE05B}" type="datetimeFigureOut">
               <a:rPr lang="en-US" smtClean="0"/>
-              <a:t>3/5/2025</a:t>
+              <a:t>10/27/2025</a:t>
             </a:fld>
             <a:endParaRPr lang="en-US"/>
           </a:p>
@@ -4671,7 +4662,7 @@
           <a:p>
             <a:fld id="{0560A9CD-0304-4E0B-9E82-E7E0115DE05B}" type="datetimeFigureOut">
               <a:rPr lang="en-US" smtClean="0"/>
-              <a:t>3/5/2025</a:t>
+              <a:t>10/27/2025</a:t>
             </a:fld>
             <a:endParaRPr lang="en-US"/>
           </a:p>
@@ -4882,7 +4873,7 @@
           <a:p>
             <a:fld id="{0560A9CD-0304-4E0B-9E82-E7E0115DE05B}" type="datetimeFigureOut">
               <a:rPr lang="en-US" smtClean="0"/>
-              <a:t>3/5/2025</a:t>
+              <a:t>10/27/2025</a:t>
             </a:fld>
             <a:endParaRPr lang="en-US"/>
           </a:p>
@@ -7053,7 +7044,7 @@
       </p:sp>
       <p:sp>
         <p:nvSpPr>
-          <p:cNvPr id="5" name="Smiley Face 4"/>
+          <p:cNvPr id="5" name="Smiley Face 4" descr="QuizAnswer"/>
           <p:cNvSpPr/>
           <p:nvPr/>
         </p:nvSpPr>
@@ -14078,7 +14069,7 @@
       </p:graphicFrame>
       <p:sp>
         <p:nvSpPr>
-          <p:cNvPr id="5" name="Smiley Face 4"/>
+          <p:cNvPr id="5" name="Smiley Face 4" descr="QuizAnswer"/>
           <p:cNvSpPr/>
           <p:nvPr/>
         </p:nvSpPr>
